--- a/발표자료/230202/LJHPPT.pptx
+++ b/발표자료/230202/LJHPPT.pptx
@@ -6,14 +6,8 @@
   </p:sldMasterIdLst>
   <p:sldIdLst>
     <p:sldId id="256" r:id="rId2"/>
-    <p:sldId id="272" r:id="rId3"/>
+    <p:sldId id="274" r:id="rId3"/>
     <p:sldId id="269" r:id="rId4"/>
-    <p:sldId id="274" r:id="rId5"/>
-    <p:sldId id="275" r:id="rId6"/>
-    <p:sldId id="277" r:id="rId7"/>
-    <p:sldId id="265" r:id="rId8"/>
-    <p:sldId id="270" r:id="rId9"/>
-    <p:sldId id="271" r:id="rId10"/>
   </p:sldIdLst>
   <p:sldSz cx="12192000" cy="6858000"/>
   <p:notesSz cx="6858000" cy="9144000"/>
@@ -114,7 +108,7 @@
   </p:defaultTextStyle>
   <p:extLst>
     <p:ext uri="{EFAFB233-063F-42B5-8137-9DF3F51BA10A}">
-      <p15:sldGuideLst xmlns:p15="http://schemas.microsoft.com/office/powerpoint/2012/main" xmlns="">
+      <p15:sldGuideLst xmlns="" xmlns:p15="http://schemas.microsoft.com/office/powerpoint/2012/main">
         <p15:guide id="1" orient="horz" pos="2160" userDrawn="1">
           <p15:clr>
             <a:srgbClr val="A4A3A4"/>
@@ -153,7 +147,7 @@
           <p:cNvPr id="2" name="제목 1">
             <a:extLst>
               <a:ext uri="{FF2B5EF4-FFF2-40B4-BE49-F238E27FC236}">
-                <a16:creationId xmlns:a16="http://schemas.microsoft.com/office/drawing/2014/main" xmlns="" id="{544428E6-48F8-48FF-A4B7-7E67A9EE0B77}"/>
+                <a16:creationId xmlns="" xmlns:a16="http://schemas.microsoft.com/office/drawing/2014/main" id="{544428E6-48F8-48FF-A4B7-7E67A9EE0B77}"/>
               </a:ext>
             </a:extLst>
           </p:cNvPr>
@@ -190,7 +184,7 @@
           <p:cNvPr id="3" name="부제목 2">
             <a:extLst>
               <a:ext uri="{FF2B5EF4-FFF2-40B4-BE49-F238E27FC236}">
-                <a16:creationId xmlns:a16="http://schemas.microsoft.com/office/drawing/2014/main" xmlns="" id="{FBA2431C-BDF3-4534-AED0-115F103A462A}"/>
+                <a16:creationId xmlns="" xmlns:a16="http://schemas.microsoft.com/office/drawing/2014/main" id="{FBA2431C-BDF3-4534-AED0-115F103A462A}"/>
               </a:ext>
             </a:extLst>
           </p:cNvPr>
@@ -260,7 +254,7 @@
           <p:cNvPr id="4" name="날짜 개체 틀 3">
             <a:extLst>
               <a:ext uri="{FF2B5EF4-FFF2-40B4-BE49-F238E27FC236}">
-                <a16:creationId xmlns:a16="http://schemas.microsoft.com/office/drawing/2014/main" xmlns="" id="{420173CB-01B9-4295-A804-D7D5973D6277}"/>
+                <a16:creationId xmlns="" xmlns:a16="http://schemas.microsoft.com/office/drawing/2014/main" id="{420173CB-01B9-4295-A804-D7D5973D6277}"/>
               </a:ext>
             </a:extLst>
           </p:cNvPr>
@@ -278,7 +272,7 @@
           <a:p>
             <a:fld id="{246E467A-4026-4A8D-97BF-715EF7FA6491}" type="datetimeFigureOut">
               <a:rPr lang="ko-KR" altLang="en-US" smtClean="0"/>
-              <a:t>2023-02-02</a:t>
+              <a:t>2023-02-08</a:t>
             </a:fld>
             <a:endParaRPr lang="ko-KR" altLang="en-US"/>
           </a:p>
@@ -289,7 +283,7 @@
           <p:cNvPr id="5" name="바닥글 개체 틀 4">
             <a:extLst>
               <a:ext uri="{FF2B5EF4-FFF2-40B4-BE49-F238E27FC236}">
-                <a16:creationId xmlns:a16="http://schemas.microsoft.com/office/drawing/2014/main" xmlns="" id="{E1C5FE16-77A0-484E-AEFD-FF537292ECD0}"/>
+                <a16:creationId xmlns="" xmlns:a16="http://schemas.microsoft.com/office/drawing/2014/main" id="{E1C5FE16-77A0-484E-AEFD-FF537292ECD0}"/>
               </a:ext>
             </a:extLst>
           </p:cNvPr>
@@ -314,7 +308,7 @@
           <p:cNvPr id="6" name="슬라이드 번호 개체 틀 5">
             <a:extLst>
               <a:ext uri="{FF2B5EF4-FFF2-40B4-BE49-F238E27FC236}">
-                <a16:creationId xmlns:a16="http://schemas.microsoft.com/office/drawing/2014/main" xmlns="" id="{69F3DF25-2E65-49D3-8F6F-64AA11097B17}"/>
+                <a16:creationId xmlns="" xmlns:a16="http://schemas.microsoft.com/office/drawing/2014/main" id="{69F3DF25-2E65-49D3-8F6F-64AA11097B17}"/>
               </a:ext>
             </a:extLst>
           </p:cNvPr>
@@ -373,7 +367,7 @@
           <p:cNvPr id="2" name="제목 1">
             <a:extLst>
               <a:ext uri="{FF2B5EF4-FFF2-40B4-BE49-F238E27FC236}">
-                <a16:creationId xmlns:a16="http://schemas.microsoft.com/office/drawing/2014/main" xmlns="" id="{0E520652-E714-4A15-826F-1B53C7092B68}"/>
+                <a16:creationId xmlns="" xmlns:a16="http://schemas.microsoft.com/office/drawing/2014/main" id="{0E520652-E714-4A15-826F-1B53C7092B68}"/>
               </a:ext>
             </a:extLst>
           </p:cNvPr>
@@ -401,7 +395,7 @@
           <p:cNvPr id="3" name="세로 텍스트 개체 틀 2">
             <a:extLst>
               <a:ext uri="{FF2B5EF4-FFF2-40B4-BE49-F238E27FC236}">
-                <a16:creationId xmlns:a16="http://schemas.microsoft.com/office/drawing/2014/main" xmlns="" id="{1C14771D-DE0A-400C-8C59-8670E31F7094}"/>
+                <a16:creationId xmlns="" xmlns:a16="http://schemas.microsoft.com/office/drawing/2014/main" id="{1C14771D-DE0A-400C-8C59-8670E31F7094}"/>
               </a:ext>
             </a:extLst>
           </p:cNvPr>
@@ -458,7 +452,7 @@
           <p:cNvPr id="4" name="날짜 개체 틀 3">
             <a:extLst>
               <a:ext uri="{FF2B5EF4-FFF2-40B4-BE49-F238E27FC236}">
-                <a16:creationId xmlns:a16="http://schemas.microsoft.com/office/drawing/2014/main" xmlns="" id="{5CBEACB7-48C9-4FB8-8D34-7F4C63932697}"/>
+                <a16:creationId xmlns="" xmlns:a16="http://schemas.microsoft.com/office/drawing/2014/main" id="{5CBEACB7-48C9-4FB8-8D34-7F4C63932697}"/>
               </a:ext>
             </a:extLst>
           </p:cNvPr>
@@ -476,7 +470,7 @@
           <a:p>
             <a:fld id="{246E467A-4026-4A8D-97BF-715EF7FA6491}" type="datetimeFigureOut">
               <a:rPr lang="ko-KR" altLang="en-US" smtClean="0"/>
-              <a:t>2023-02-02</a:t>
+              <a:t>2023-02-08</a:t>
             </a:fld>
             <a:endParaRPr lang="ko-KR" altLang="en-US"/>
           </a:p>
@@ -487,7 +481,7 @@
           <p:cNvPr id="5" name="바닥글 개체 틀 4">
             <a:extLst>
               <a:ext uri="{FF2B5EF4-FFF2-40B4-BE49-F238E27FC236}">
-                <a16:creationId xmlns:a16="http://schemas.microsoft.com/office/drawing/2014/main" xmlns="" id="{5BD31818-B6CD-47B0-9353-395CC53986D6}"/>
+                <a16:creationId xmlns="" xmlns:a16="http://schemas.microsoft.com/office/drawing/2014/main" id="{5BD31818-B6CD-47B0-9353-395CC53986D6}"/>
               </a:ext>
             </a:extLst>
           </p:cNvPr>
@@ -512,7 +506,7 @@
           <p:cNvPr id="6" name="슬라이드 번호 개체 틀 5">
             <a:extLst>
               <a:ext uri="{FF2B5EF4-FFF2-40B4-BE49-F238E27FC236}">
-                <a16:creationId xmlns:a16="http://schemas.microsoft.com/office/drawing/2014/main" xmlns="" id="{BD008922-CAE3-4884-AE59-2BC74144C74C}"/>
+                <a16:creationId xmlns="" xmlns:a16="http://schemas.microsoft.com/office/drawing/2014/main" id="{BD008922-CAE3-4884-AE59-2BC74144C74C}"/>
               </a:ext>
             </a:extLst>
           </p:cNvPr>
@@ -571,7 +565,7 @@
           <p:cNvPr id="2" name="세로 제목 1">
             <a:extLst>
               <a:ext uri="{FF2B5EF4-FFF2-40B4-BE49-F238E27FC236}">
-                <a16:creationId xmlns:a16="http://schemas.microsoft.com/office/drawing/2014/main" xmlns="" id="{A3371B8A-69A6-43D4-8783-6456E33508F7}"/>
+                <a16:creationId xmlns="" xmlns:a16="http://schemas.microsoft.com/office/drawing/2014/main" id="{A3371B8A-69A6-43D4-8783-6456E33508F7}"/>
               </a:ext>
             </a:extLst>
           </p:cNvPr>
@@ -604,7 +598,7 @@
           <p:cNvPr id="3" name="세로 텍스트 개체 틀 2">
             <a:extLst>
               <a:ext uri="{FF2B5EF4-FFF2-40B4-BE49-F238E27FC236}">
-                <a16:creationId xmlns:a16="http://schemas.microsoft.com/office/drawing/2014/main" xmlns="" id="{049DA1AA-3028-44E4-B5B0-C19BF61DC48A}"/>
+                <a16:creationId xmlns="" xmlns:a16="http://schemas.microsoft.com/office/drawing/2014/main" id="{049DA1AA-3028-44E4-B5B0-C19BF61DC48A}"/>
               </a:ext>
             </a:extLst>
           </p:cNvPr>
@@ -666,7 +660,7 @@
           <p:cNvPr id="4" name="날짜 개체 틀 3">
             <a:extLst>
               <a:ext uri="{FF2B5EF4-FFF2-40B4-BE49-F238E27FC236}">
-                <a16:creationId xmlns:a16="http://schemas.microsoft.com/office/drawing/2014/main" xmlns="" id="{ED2BCD8D-3E10-4F33-BC43-EACB05C0B415}"/>
+                <a16:creationId xmlns="" xmlns:a16="http://schemas.microsoft.com/office/drawing/2014/main" id="{ED2BCD8D-3E10-4F33-BC43-EACB05C0B415}"/>
               </a:ext>
             </a:extLst>
           </p:cNvPr>
@@ -684,7 +678,7 @@
           <a:p>
             <a:fld id="{246E467A-4026-4A8D-97BF-715EF7FA6491}" type="datetimeFigureOut">
               <a:rPr lang="ko-KR" altLang="en-US" smtClean="0"/>
-              <a:t>2023-02-02</a:t>
+              <a:t>2023-02-08</a:t>
             </a:fld>
             <a:endParaRPr lang="ko-KR" altLang="en-US"/>
           </a:p>
@@ -695,7 +689,7 @@
           <p:cNvPr id="5" name="바닥글 개체 틀 4">
             <a:extLst>
               <a:ext uri="{FF2B5EF4-FFF2-40B4-BE49-F238E27FC236}">
-                <a16:creationId xmlns:a16="http://schemas.microsoft.com/office/drawing/2014/main" xmlns="" id="{33E365BE-78DE-4079-B7F3-706874E92415}"/>
+                <a16:creationId xmlns="" xmlns:a16="http://schemas.microsoft.com/office/drawing/2014/main" id="{33E365BE-78DE-4079-B7F3-706874E92415}"/>
               </a:ext>
             </a:extLst>
           </p:cNvPr>
@@ -720,7 +714,7 @@
           <p:cNvPr id="6" name="슬라이드 번호 개체 틀 5">
             <a:extLst>
               <a:ext uri="{FF2B5EF4-FFF2-40B4-BE49-F238E27FC236}">
-                <a16:creationId xmlns:a16="http://schemas.microsoft.com/office/drawing/2014/main" xmlns="" id="{6F0D9E52-1AFA-4482-A474-91FF4C5C683A}"/>
+                <a16:creationId xmlns="" xmlns:a16="http://schemas.microsoft.com/office/drawing/2014/main" id="{6F0D9E52-1AFA-4482-A474-91FF4C5C683A}"/>
               </a:ext>
             </a:extLst>
           </p:cNvPr>
@@ -779,7 +773,7 @@
           <p:cNvPr id="2" name="제목 1">
             <a:extLst>
               <a:ext uri="{FF2B5EF4-FFF2-40B4-BE49-F238E27FC236}">
-                <a16:creationId xmlns:a16="http://schemas.microsoft.com/office/drawing/2014/main" xmlns="" id="{60DBF82B-6C4A-4F6E-A362-B2BF3BDC30D7}"/>
+                <a16:creationId xmlns="" xmlns:a16="http://schemas.microsoft.com/office/drawing/2014/main" id="{60DBF82B-6C4A-4F6E-A362-B2BF3BDC30D7}"/>
               </a:ext>
             </a:extLst>
           </p:cNvPr>
@@ -807,7 +801,7 @@
           <p:cNvPr id="3" name="내용 개체 틀 2">
             <a:extLst>
               <a:ext uri="{FF2B5EF4-FFF2-40B4-BE49-F238E27FC236}">
-                <a16:creationId xmlns:a16="http://schemas.microsoft.com/office/drawing/2014/main" xmlns="" id="{BDE6E910-43A6-49D6-A1B5-99E3B0C27E2D}"/>
+                <a16:creationId xmlns="" xmlns:a16="http://schemas.microsoft.com/office/drawing/2014/main" id="{BDE6E910-43A6-49D6-A1B5-99E3B0C27E2D}"/>
               </a:ext>
             </a:extLst>
           </p:cNvPr>
@@ -864,7 +858,7 @@
           <p:cNvPr id="4" name="날짜 개체 틀 3">
             <a:extLst>
               <a:ext uri="{FF2B5EF4-FFF2-40B4-BE49-F238E27FC236}">
-                <a16:creationId xmlns:a16="http://schemas.microsoft.com/office/drawing/2014/main" xmlns="" id="{2F0DB3AC-66C4-4244-9CE9-54D71AA59C90}"/>
+                <a16:creationId xmlns="" xmlns:a16="http://schemas.microsoft.com/office/drawing/2014/main" id="{2F0DB3AC-66C4-4244-9CE9-54D71AA59C90}"/>
               </a:ext>
             </a:extLst>
           </p:cNvPr>
@@ -882,7 +876,7 @@
           <a:p>
             <a:fld id="{246E467A-4026-4A8D-97BF-715EF7FA6491}" type="datetimeFigureOut">
               <a:rPr lang="ko-KR" altLang="en-US" smtClean="0"/>
-              <a:t>2023-02-02</a:t>
+              <a:t>2023-02-08</a:t>
             </a:fld>
             <a:endParaRPr lang="ko-KR" altLang="en-US"/>
           </a:p>
@@ -893,7 +887,7 @@
           <p:cNvPr id="5" name="바닥글 개체 틀 4">
             <a:extLst>
               <a:ext uri="{FF2B5EF4-FFF2-40B4-BE49-F238E27FC236}">
-                <a16:creationId xmlns:a16="http://schemas.microsoft.com/office/drawing/2014/main" xmlns="" id="{3992C886-882E-440B-806C-B06DE5089026}"/>
+                <a16:creationId xmlns="" xmlns:a16="http://schemas.microsoft.com/office/drawing/2014/main" id="{3992C886-882E-440B-806C-B06DE5089026}"/>
               </a:ext>
             </a:extLst>
           </p:cNvPr>
@@ -918,7 +912,7 @@
           <p:cNvPr id="6" name="슬라이드 번호 개체 틀 5">
             <a:extLst>
               <a:ext uri="{FF2B5EF4-FFF2-40B4-BE49-F238E27FC236}">
-                <a16:creationId xmlns:a16="http://schemas.microsoft.com/office/drawing/2014/main" xmlns="" id="{9A9323D2-1426-48F9-A93B-729E72E2B2BB}"/>
+                <a16:creationId xmlns="" xmlns:a16="http://schemas.microsoft.com/office/drawing/2014/main" id="{9A9323D2-1426-48F9-A93B-729E72E2B2BB}"/>
               </a:ext>
             </a:extLst>
           </p:cNvPr>
@@ -977,7 +971,7 @@
           <p:cNvPr id="2" name="제목 1">
             <a:extLst>
               <a:ext uri="{FF2B5EF4-FFF2-40B4-BE49-F238E27FC236}">
-                <a16:creationId xmlns:a16="http://schemas.microsoft.com/office/drawing/2014/main" xmlns="" id="{7153C500-C8D9-4EBC-AC73-9F7D65F03E32}"/>
+                <a16:creationId xmlns="" xmlns:a16="http://schemas.microsoft.com/office/drawing/2014/main" id="{7153C500-C8D9-4EBC-AC73-9F7D65F03E32}"/>
               </a:ext>
             </a:extLst>
           </p:cNvPr>
@@ -1014,7 +1008,7 @@
           <p:cNvPr id="3" name="텍스트 개체 틀 2">
             <a:extLst>
               <a:ext uri="{FF2B5EF4-FFF2-40B4-BE49-F238E27FC236}">
-                <a16:creationId xmlns:a16="http://schemas.microsoft.com/office/drawing/2014/main" xmlns="" id="{4E56CD17-259A-42E8-B64F-04C51B7C1C5F}"/>
+                <a16:creationId xmlns="" xmlns:a16="http://schemas.microsoft.com/office/drawing/2014/main" id="{4E56CD17-259A-42E8-B64F-04C51B7C1C5F}"/>
               </a:ext>
             </a:extLst>
           </p:cNvPr>
@@ -1139,7 +1133,7 @@
           <p:cNvPr id="4" name="날짜 개체 틀 3">
             <a:extLst>
               <a:ext uri="{FF2B5EF4-FFF2-40B4-BE49-F238E27FC236}">
-                <a16:creationId xmlns:a16="http://schemas.microsoft.com/office/drawing/2014/main" xmlns="" id="{CE976CE5-8C59-42A2-A597-465DEAC8E5A7}"/>
+                <a16:creationId xmlns="" xmlns:a16="http://schemas.microsoft.com/office/drawing/2014/main" id="{CE976CE5-8C59-42A2-A597-465DEAC8E5A7}"/>
               </a:ext>
             </a:extLst>
           </p:cNvPr>
@@ -1157,7 +1151,7 @@
           <a:p>
             <a:fld id="{246E467A-4026-4A8D-97BF-715EF7FA6491}" type="datetimeFigureOut">
               <a:rPr lang="ko-KR" altLang="en-US" smtClean="0"/>
-              <a:t>2023-02-02</a:t>
+              <a:t>2023-02-08</a:t>
             </a:fld>
             <a:endParaRPr lang="ko-KR" altLang="en-US"/>
           </a:p>
@@ -1168,7 +1162,7 @@
           <p:cNvPr id="5" name="바닥글 개체 틀 4">
             <a:extLst>
               <a:ext uri="{FF2B5EF4-FFF2-40B4-BE49-F238E27FC236}">
-                <a16:creationId xmlns:a16="http://schemas.microsoft.com/office/drawing/2014/main" xmlns="" id="{742312C6-1DCE-41BC-B5FA-FCFF5BE3B9E6}"/>
+                <a16:creationId xmlns="" xmlns:a16="http://schemas.microsoft.com/office/drawing/2014/main" id="{742312C6-1DCE-41BC-B5FA-FCFF5BE3B9E6}"/>
               </a:ext>
             </a:extLst>
           </p:cNvPr>
@@ -1193,7 +1187,7 @@
           <p:cNvPr id="6" name="슬라이드 번호 개체 틀 5">
             <a:extLst>
               <a:ext uri="{FF2B5EF4-FFF2-40B4-BE49-F238E27FC236}">
-                <a16:creationId xmlns:a16="http://schemas.microsoft.com/office/drawing/2014/main" xmlns="" id="{664339A5-69DC-4256-84CA-F160D48ED02B}"/>
+                <a16:creationId xmlns="" xmlns:a16="http://schemas.microsoft.com/office/drawing/2014/main" id="{664339A5-69DC-4256-84CA-F160D48ED02B}"/>
               </a:ext>
             </a:extLst>
           </p:cNvPr>
@@ -1252,7 +1246,7 @@
           <p:cNvPr id="2" name="제목 1">
             <a:extLst>
               <a:ext uri="{FF2B5EF4-FFF2-40B4-BE49-F238E27FC236}">
-                <a16:creationId xmlns:a16="http://schemas.microsoft.com/office/drawing/2014/main" xmlns="" id="{BCF37A4D-E01E-45A7-B166-73EE7826C0E7}"/>
+                <a16:creationId xmlns="" xmlns:a16="http://schemas.microsoft.com/office/drawing/2014/main" id="{BCF37A4D-E01E-45A7-B166-73EE7826C0E7}"/>
               </a:ext>
             </a:extLst>
           </p:cNvPr>
@@ -1280,7 +1274,7 @@
           <p:cNvPr id="3" name="내용 개체 틀 2">
             <a:extLst>
               <a:ext uri="{FF2B5EF4-FFF2-40B4-BE49-F238E27FC236}">
-                <a16:creationId xmlns:a16="http://schemas.microsoft.com/office/drawing/2014/main" xmlns="" id="{A70D6757-7DA6-452C-9903-7536978F1556}"/>
+                <a16:creationId xmlns="" xmlns:a16="http://schemas.microsoft.com/office/drawing/2014/main" id="{A70D6757-7DA6-452C-9903-7536978F1556}"/>
               </a:ext>
             </a:extLst>
           </p:cNvPr>
@@ -1342,7 +1336,7 @@
           <p:cNvPr id="4" name="내용 개체 틀 3">
             <a:extLst>
               <a:ext uri="{FF2B5EF4-FFF2-40B4-BE49-F238E27FC236}">
-                <a16:creationId xmlns:a16="http://schemas.microsoft.com/office/drawing/2014/main" xmlns="" id="{23DCC3C8-286B-4184-8752-32BC3B116B8E}"/>
+                <a16:creationId xmlns="" xmlns:a16="http://schemas.microsoft.com/office/drawing/2014/main" id="{23DCC3C8-286B-4184-8752-32BC3B116B8E}"/>
               </a:ext>
             </a:extLst>
           </p:cNvPr>
@@ -1404,7 +1398,7 @@
           <p:cNvPr id="5" name="날짜 개체 틀 4">
             <a:extLst>
               <a:ext uri="{FF2B5EF4-FFF2-40B4-BE49-F238E27FC236}">
-                <a16:creationId xmlns:a16="http://schemas.microsoft.com/office/drawing/2014/main" xmlns="" id="{7ECA751A-C45B-42C8-893F-826B22E76CF6}"/>
+                <a16:creationId xmlns="" xmlns:a16="http://schemas.microsoft.com/office/drawing/2014/main" id="{7ECA751A-C45B-42C8-893F-826B22E76CF6}"/>
               </a:ext>
             </a:extLst>
           </p:cNvPr>
@@ -1422,7 +1416,7 @@
           <a:p>
             <a:fld id="{246E467A-4026-4A8D-97BF-715EF7FA6491}" type="datetimeFigureOut">
               <a:rPr lang="ko-KR" altLang="en-US" smtClean="0"/>
-              <a:t>2023-02-02</a:t>
+              <a:t>2023-02-08</a:t>
             </a:fld>
             <a:endParaRPr lang="ko-KR" altLang="en-US"/>
           </a:p>
@@ -1433,7 +1427,7 @@
           <p:cNvPr id="6" name="바닥글 개체 틀 5">
             <a:extLst>
               <a:ext uri="{FF2B5EF4-FFF2-40B4-BE49-F238E27FC236}">
-                <a16:creationId xmlns:a16="http://schemas.microsoft.com/office/drawing/2014/main" xmlns="" id="{9F77210C-0EDE-42F3-A19F-12B3884B4393}"/>
+                <a16:creationId xmlns="" xmlns:a16="http://schemas.microsoft.com/office/drawing/2014/main" id="{9F77210C-0EDE-42F3-A19F-12B3884B4393}"/>
               </a:ext>
             </a:extLst>
           </p:cNvPr>
@@ -1458,7 +1452,7 @@
           <p:cNvPr id="7" name="슬라이드 번호 개체 틀 6">
             <a:extLst>
               <a:ext uri="{FF2B5EF4-FFF2-40B4-BE49-F238E27FC236}">
-                <a16:creationId xmlns:a16="http://schemas.microsoft.com/office/drawing/2014/main" xmlns="" id="{3215D590-E2D2-480C-AF73-67D855C553CB}"/>
+                <a16:creationId xmlns="" xmlns:a16="http://schemas.microsoft.com/office/drawing/2014/main" id="{3215D590-E2D2-480C-AF73-67D855C553CB}"/>
               </a:ext>
             </a:extLst>
           </p:cNvPr>
@@ -1517,7 +1511,7 @@
           <p:cNvPr id="2" name="제목 1">
             <a:extLst>
               <a:ext uri="{FF2B5EF4-FFF2-40B4-BE49-F238E27FC236}">
-                <a16:creationId xmlns:a16="http://schemas.microsoft.com/office/drawing/2014/main" xmlns="" id="{E1E3AF97-024B-4EF1-B5B6-2E362F07CDB3}"/>
+                <a16:creationId xmlns="" xmlns:a16="http://schemas.microsoft.com/office/drawing/2014/main" id="{E1E3AF97-024B-4EF1-B5B6-2E362F07CDB3}"/>
               </a:ext>
             </a:extLst>
           </p:cNvPr>
@@ -1550,7 +1544,7 @@
           <p:cNvPr id="3" name="텍스트 개체 틀 2">
             <a:extLst>
               <a:ext uri="{FF2B5EF4-FFF2-40B4-BE49-F238E27FC236}">
-                <a16:creationId xmlns:a16="http://schemas.microsoft.com/office/drawing/2014/main" xmlns="" id="{2B41334B-2AA0-4E32-9445-B691EAB2831F}"/>
+                <a16:creationId xmlns="" xmlns:a16="http://schemas.microsoft.com/office/drawing/2014/main" id="{2B41334B-2AA0-4E32-9445-B691EAB2831F}"/>
               </a:ext>
             </a:extLst>
           </p:cNvPr>
@@ -1621,7 +1615,7 @@
           <p:cNvPr id="4" name="내용 개체 틀 3">
             <a:extLst>
               <a:ext uri="{FF2B5EF4-FFF2-40B4-BE49-F238E27FC236}">
-                <a16:creationId xmlns:a16="http://schemas.microsoft.com/office/drawing/2014/main" xmlns="" id="{BDB62D6F-224F-4433-9752-11A255D323D4}"/>
+                <a16:creationId xmlns="" xmlns:a16="http://schemas.microsoft.com/office/drawing/2014/main" id="{BDB62D6F-224F-4433-9752-11A255D323D4}"/>
               </a:ext>
             </a:extLst>
           </p:cNvPr>
@@ -1683,7 +1677,7 @@
           <p:cNvPr id="5" name="텍스트 개체 틀 4">
             <a:extLst>
               <a:ext uri="{FF2B5EF4-FFF2-40B4-BE49-F238E27FC236}">
-                <a16:creationId xmlns:a16="http://schemas.microsoft.com/office/drawing/2014/main" xmlns="" id="{DD04EE0E-6C7E-4160-86AA-136E97F9FD62}"/>
+                <a16:creationId xmlns="" xmlns:a16="http://schemas.microsoft.com/office/drawing/2014/main" id="{DD04EE0E-6C7E-4160-86AA-136E97F9FD62}"/>
               </a:ext>
             </a:extLst>
           </p:cNvPr>
@@ -1754,7 +1748,7 @@
           <p:cNvPr id="6" name="내용 개체 틀 5">
             <a:extLst>
               <a:ext uri="{FF2B5EF4-FFF2-40B4-BE49-F238E27FC236}">
-                <a16:creationId xmlns:a16="http://schemas.microsoft.com/office/drawing/2014/main" xmlns="" id="{1B390FB9-7573-4784-A2A4-EDF1B3C59FF4}"/>
+                <a16:creationId xmlns="" xmlns:a16="http://schemas.microsoft.com/office/drawing/2014/main" id="{1B390FB9-7573-4784-A2A4-EDF1B3C59FF4}"/>
               </a:ext>
             </a:extLst>
           </p:cNvPr>
@@ -1816,7 +1810,7 @@
           <p:cNvPr id="7" name="날짜 개체 틀 6">
             <a:extLst>
               <a:ext uri="{FF2B5EF4-FFF2-40B4-BE49-F238E27FC236}">
-                <a16:creationId xmlns:a16="http://schemas.microsoft.com/office/drawing/2014/main" xmlns="" id="{F464B30B-9C6A-4C96-8DB5-BCE9A09F77BB}"/>
+                <a16:creationId xmlns="" xmlns:a16="http://schemas.microsoft.com/office/drawing/2014/main" id="{F464B30B-9C6A-4C96-8DB5-BCE9A09F77BB}"/>
               </a:ext>
             </a:extLst>
           </p:cNvPr>
@@ -1834,7 +1828,7 @@
           <a:p>
             <a:fld id="{246E467A-4026-4A8D-97BF-715EF7FA6491}" type="datetimeFigureOut">
               <a:rPr lang="ko-KR" altLang="en-US" smtClean="0"/>
-              <a:t>2023-02-02</a:t>
+              <a:t>2023-02-08</a:t>
             </a:fld>
             <a:endParaRPr lang="ko-KR" altLang="en-US"/>
           </a:p>
@@ -1845,7 +1839,7 @@
           <p:cNvPr id="8" name="바닥글 개체 틀 7">
             <a:extLst>
               <a:ext uri="{FF2B5EF4-FFF2-40B4-BE49-F238E27FC236}">
-                <a16:creationId xmlns:a16="http://schemas.microsoft.com/office/drawing/2014/main" xmlns="" id="{16A11AC4-2315-46FE-81A4-FE4B843497D9}"/>
+                <a16:creationId xmlns="" xmlns:a16="http://schemas.microsoft.com/office/drawing/2014/main" id="{16A11AC4-2315-46FE-81A4-FE4B843497D9}"/>
               </a:ext>
             </a:extLst>
           </p:cNvPr>
@@ -1870,7 +1864,7 @@
           <p:cNvPr id="9" name="슬라이드 번호 개체 틀 8">
             <a:extLst>
               <a:ext uri="{FF2B5EF4-FFF2-40B4-BE49-F238E27FC236}">
-                <a16:creationId xmlns:a16="http://schemas.microsoft.com/office/drawing/2014/main" xmlns="" id="{DC2D39CB-CB92-40B8-9B0C-3FBBBDF9DDF4}"/>
+                <a16:creationId xmlns="" xmlns:a16="http://schemas.microsoft.com/office/drawing/2014/main" id="{DC2D39CB-CB92-40B8-9B0C-3FBBBDF9DDF4}"/>
               </a:ext>
             </a:extLst>
           </p:cNvPr>
@@ -1929,7 +1923,7 @@
           <p:cNvPr id="2" name="제목 1">
             <a:extLst>
               <a:ext uri="{FF2B5EF4-FFF2-40B4-BE49-F238E27FC236}">
-                <a16:creationId xmlns:a16="http://schemas.microsoft.com/office/drawing/2014/main" xmlns="" id="{90E32E25-F5B3-41EE-BD3B-6965721B8BFA}"/>
+                <a16:creationId xmlns="" xmlns:a16="http://schemas.microsoft.com/office/drawing/2014/main" id="{90E32E25-F5B3-41EE-BD3B-6965721B8BFA}"/>
               </a:ext>
             </a:extLst>
           </p:cNvPr>
@@ -1957,7 +1951,7 @@
           <p:cNvPr id="3" name="날짜 개체 틀 2">
             <a:extLst>
               <a:ext uri="{FF2B5EF4-FFF2-40B4-BE49-F238E27FC236}">
-                <a16:creationId xmlns:a16="http://schemas.microsoft.com/office/drawing/2014/main" xmlns="" id="{0CFE1863-7C02-424B-AF80-CDB396716C6B}"/>
+                <a16:creationId xmlns="" xmlns:a16="http://schemas.microsoft.com/office/drawing/2014/main" id="{0CFE1863-7C02-424B-AF80-CDB396716C6B}"/>
               </a:ext>
             </a:extLst>
           </p:cNvPr>
@@ -1975,7 +1969,7 @@
           <a:p>
             <a:fld id="{246E467A-4026-4A8D-97BF-715EF7FA6491}" type="datetimeFigureOut">
               <a:rPr lang="ko-KR" altLang="en-US" smtClean="0"/>
-              <a:t>2023-02-02</a:t>
+              <a:t>2023-02-08</a:t>
             </a:fld>
             <a:endParaRPr lang="ko-KR" altLang="en-US"/>
           </a:p>
@@ -1986,7 +1980,7 @@
           <p:cNvPr id="4" name="바닥글 개체 틀 3">
             <a:extLst>
               <a:ext uri="{FF2B5EF4-FFF2-40B4-BE49-F238E27FC236}">
-                <a16:creationId xmlns:a16="http://schemas.microsoft.com/office/drawing/2014/main" xmlns="" id="{2F99FB34-90A4-44A0-9CF8-F0BC0FE4AB26}"/>
+                <a16:creationId xmlns="" xmlns:a16="http://schemas.microsoft.com/office/drawing/2014/main" id="{2F99FB34-90A4-44A0-9CF8-F0BC0FE4AB26}"/>
               </a:ext>
             </a:extLst>
           </p:cNvPr>
@@ -2011,7 +2005,7 @@
           <p:cNvPr id="5" name="슬라이드 번호 개체 틀 4">
             <a:extLst>
               <a:ext uri="{FF2B5EF4-FFF2-40B4-BE49-F238E27FC236}">
-                <a16:creationId xmlns:a16="http://schemas.microsoft.com/office/drawing/2014/main" xmlns="" id="{56375702-4955-406C-919C-D35A1B84B474}"/>
+                <a16:creationId xmlns="" xmlns:a16="http://schemas.microsoft.com/office/drawing/2014/main" id="{56375702-4955-406C-919C-D35A1B84B474}"/>
               </a:ext>
             </a:extLst>
           </p:cNvPr>
@@ -2070,7 +2064,7 @@
           <p:cNvPr id="2" name="날짜 개체 틀 1">
             <a:extLst>
               <a:ext uri="{FF2B5EF4-FFF2-40B4-BE49-F238E27FC236}">
-                <a16:creationId xmlns:a16="http://schemas.microsoft.com/office/drawing/2014/main" xmlns="" id="{D76E1BA2-3103-4DB2-AAEB-ED1BAE4527B3}"/>
+                <a16:creationId xmlns="" xmlns:a16="http://schemas.microsoft.com/office/drawing/2014/main" id="{D76E1BA2-3103-4DB2-AAEB-ED1BAE4527B3}"/>
               </a:ext>
             </a:extLst>
           </p:cNvPr>
@@ -2088,7 +2082,7 @@
           <a:p>
             <a:fld id="{246E467A-4026-4A8D-97BF-715EF7FA6491}" type="datetimeFigureOut">
               <a:rPr lang="ko-KR" altLang="en-US" smtClean="0"/>
-              <a:t>2023-02-02</a:t>
+              <a:t>2023-02-08</a:t>
             </a:fld>
             <a:endParaRPr lang="ko-KR" altLang="en-US"/>
           </a:p>
@@ -2099,7 +2093,7 @@
           <p:cNvPr id="3" name="바닥글 개체 틀 2">
             <a:extLst>
               <a:ext uri="{FF2B5EF4-FFF2-40B4-BE49-F238E27FC236}">
-                <a16:creationId xmlns:a16="http://schemas.microsoft.com/office/drawing/2014/main" xmlns="" id="{505D5A54-85CA-45E5-9801-A3F15EEFCC94}"/>
+                <a16:creationId xmlns="" xmlns:a16="http://schemas.microsoft.com/office/drawing/2014/main" id="{505D5A54-85CA-45E5-9801-A3F15EEFCC94}"/>
               </a:ext>
             </a:extLst>
           </p:cNvPr>
@@ -2124,7 +2118,7 @@
           <p:cNvPr id="4" name="슬라이드 번호 개체 틀 3">
             <a:extLst>
               <a:ext uri="{FF2B5EF4-FFF2-40B4-BE49-F238E27FC236}">
-                <a16:creationId xmlns:a16="http://schemas.microsoft.com/office/drawing/2014/main" xmlns="" id="{A812AF2F-D0EC-4C7E-8979-4C17E3F4B44D}"/>
+                <a16:creationId xmlns="" xmlns:a16="http://schemas.microsoft.com/office/drawing/2014/main" id="{A812AF2F-D0EC-4C7E-8979-4C17E3F4B44D}"/>
               </a:ext>
             </a:extLst>
           </p:cNvPr>
@@ -2183,7 +2177,7 @@
           <p:cNvPr id="2" name="제목 1">
             <a:extLst>
               <a:ext uri="{FF2B5EF4-FFF2-40B4-BE49-F238E27FC236}">
-                <a16:creationId xmlns:a16="http://schemas.microsoft.com/office/drawing/2014/main" xmlns="" id="{8C03A167-5C7C-4CD2-A3E4-B6F94583214B}"/>
+                <a16:creationId xmlns="" xmlns:a16="http://schemas.microsoft.com/office/drawing/2014/main" id="{8C03A167-5C7C-4CD2-A3E4-B6F94583214B}"/>
               </a:ext>
             </a:extLst>
           </p:cNvPr>
@@ -2220,7 +2214,7 @@
           <p:cNvPr id="3" name="내용 개체 틀 2">
             <a:extLst>
               <a:ext uri="{FF2B5EF4-FFF2-40B4-BE49-F238E27FC236}">
-                <a16:creationId xmlns:a16="http://schemas.microsoft.com/office/drawing/2014/main" xmlns="" id="{5421CEB6-C525-4AEB-BB3E-B13156901366}"/>
+                <a16:creationId xmlns="" xmlns:a16="http://schemas.microsoft.com/office/drawing/2014/main" id="{5421CEB6-C525-4AEB-BB3E-B13156901366}"/>
               </a:ext>
             </a:extLst>
           </p:cNvPr>
@@ -2310,7 +2304,7 @@
           <p:cNvPr id="4" name="텍스트 개체 틀 3">
             <a:extLst>
               <a:ext uri="{FF2B5EF4-FFF2-40B4-BE49-F238E27FC236}">
-                <a16:creationId xmlns:a16="http://schemas.microsoft.com/office/drawing/2014/main" xmlns="" id="{69296C9A-4472-4D30-BFAE-60CB397B5014}"/>
+                <a16:creationId xmlns="" xmlns:a16="http://schemas.microsoft.com/office/drawing/2014/main" id="{69296C9A-4472-4D30-BFAE-60CB397B5014}"/>
               </a:ext>
             </a:extLst>
           </p:cNvPr>
@@ -2381,7 +2375,7 @@
           <p:cNvPr id="5" name="날짜 개체 틀 4">
             <a:extLst>
               <a:ext uri="{FF2B5EF4-FFF2-40B4-BE49-F238E27FC236}">
-                <a16:creationId xmlns:a16="http://schemas.microsoft.com/office/drawing/2014/main" xmlns="" id="{F44E3F16-D603-4838-BA1C-0C9EEDE4AC92}"/>
+                <a16:creationId xmlns="" xmlns:a16="http://schemas.microsoft.com/office/drawing/2014/main" id="{F44E3F16-D603-4838-BA1C-0C9EEDE4AC92}"/>
               </a:ext>
             </a:extLst>
           </p:cNvPr>
@@ -2399,7 +2393,7 @@
           <a:p>
             <a:fld id="{246E467A-4026-4A8D-97BF-715EF7FA6491}" type="datetimeFigureOut">
               <a:rPr lang="ko-KR" altLang="en-US" smtClean="0"/>
-              <a:t>2023-02-02</a:t>
+              <a:t>2023-02-08</a:t>
             </a:fld>
             <a:endParaRPr lang="ko-KR" altLang="en-US"/>
           </a:p>
@@ -2410,7 +2404,7 @@
           <p:cNvPr id="6" name="바닥글 개체 틀 5">
             <a:extLst>
               <a:ext uri="{FF2B5EF4-FFF2-40B4-BE49-F238E27FC236}">
-                <a16:creationId xmlns:a16="http://schemas.microsoft.com/office/drawing/2014/main" xmlns="" id="{F48873C6-9D3A-4C62-9D46-88E6BAABCBA4}"/>
+                <a16:creationId xmlns="" xmlns:a16="http://schemas.microsoft.com/office/drawing/2014/main" id="{F48873C6-9D3A-4C62-9D46-88E6BAABCBA4}"/>
               </a:ext>
             </a:extLst>
           </p:cNvPr>
@@ -2435,7 +2429,7 @@
           <p:cNvPr id="7" name="슬라이드 번호 개체 틀 6">
             <a:extLst>
               <a:ext uri="{FF2B5EF4-FFF2-40B4-BE49-F238E27FC236}">
-                <a16:creationId xmlns:a16="http://schemas.microsoft.com/office/drawing/2014/main" xmlns="" id="{79A9C646-865F-49F4-8BDD-FB9A4DECA8F3}"/>
+                <a16:creationId xmlns="" xmlns:a16="http://schemas.microsoft.com/office/drawing/2014/main" id="{79A9C646-865F-49F4-8BDD-FB9A4DECA8F3}"/>
               </a:ext>
             </a:extLst>
           </p:cNvPr>
@@ -2494,7 +2488,7 @@
           <p:cNvPr id="2" name="제목 1">
             <a:extLst>
               <a:ext uri="{FF2B5EF4-FFF2-40B4-BE49-F238E27FC236}">
-                <a16:creationId xmlns:a16="http://schemas.microsoft.com/office/drawing/2014/main" xmlns="" id="{E5F258A6-5AAD-4F1F-976F-EDB5FF7254F0}"/>
+                <a16:creationId xmlns="" xmlns:a16="http://schemas.microsoft.com/office/drawing/2014/main" id="{E5F258A6-5AAD-4F1F-976F-EDB5FF7254F0}"/>
               </a:ext>
             </a:extLst>
           </p:cNvPr>
@@ -2531,7 +2525,7 @@
           <p:cNvPr id="3" name="그림 개체 틀 2">
             <a:extLst>
               <a:ext uri="{FF2B5EF4-FFF2-40B4-BE49-F238E27FC236}">
-                <a16:creationId xmlns:a16="http://schemas.microsoft.com/office/drawing/2014/main" xmlns="" id="{D2F4441E-0165-42AA-88F8-E53C4BAAC1DE}"/>
+                <a16:creationId xmlns="" xmlns:a16="http://schemas.microsoft.com/office/drawing/2014/main" id="{D2F4441E-0165-42AA-88F8-E53C4BAAC1DE}"/>
               </a:ext>
             </a:extLst>
           </p:cNvPr>
@@ -2598,7 +2592,7 @@
           <p:cNvPr id="4" name="텍스트 개체 틀 3">
             <a:extLst>
               <a:ext uri="{FF2B5EF4-FFF2-40B4-BE49-F238E27FC236}">
-                <a16:creationId xmlns:a16="http://schemas.microsoft.com/office/drawing/2014/main" xmlns="" id="{5AFCA1E8-0D3C-4590-82E2-D018D6E61D0F}"/>
+                <a16:creationId xmlns="" xmlns:a16="http://schemas.microsoft.com/office/drawing/2014/main" id="{5AFCA1E8-0D3C-4590-82E2-D018D6E61D0F}"/>
               </a:ext>
             </a:extLst>
           </p:cNvPr>
@@ -2669,7 +2663,7 @@
           <p:cNvPr id="5" name="날짜 개체 틀 4">
             <a:extLst>
               <a:ext uri="{FF2B5EF4-FFF2-40B4-BE49-F238E27FC236}">
-                <a16:creationId xmlns:a16="http://schemas.microsoft.com/office/drawing/2014/main" xmlns="" id="{0A674557-7FD9-416C-A8B5-FA6C4B5558AE}"/>
+                <a16:creationId xmlns="" xmlns:a16="http://schemas.microsoft.com/office/drawing/2014/main" id="{0A674557-7FD9-416C-A8B5-FA6C4B5558AE}"/>
               </a:ext>
             </a:extLst>
           </p:cNvPr>
@@ -2687,7 +2681,7 @@
           <a:p>
             <a:fld id="{246E467A-4026-4A8D-97BF-715EF7FA6491}" type="datetimeFigureOut">
               <a:rPr lang="ko-KR" altLang="en-US" smtClean="0"/>
-              <a:t>2023-02-02</a:t>
+              <a:t>2023-02-08</a:t>
             </a:fld>
             <a:endParaRPr lang="ko-KR" altLang="en-US"/>
           </a:p>
@@ -2698,7 +2692,7 @@
           <p:cNvPr id="6" name="바닥글 개체 틀 5">
             <a:extLst>
               <a:ext uri="{FF2B5EF4-FFF2-40B4-BE49-F238E27FC236}">
-                <a16:creationId xmlns:a16="http://schemas.microsoft.com/office/drawing/2014/main" xmlns="" id="{9C4A215C-B55F-4988-B45B-7667E8C7CAF6}"/>
+                <a16:creationId xmlns="" xmlns:a16="http://schemas.microsoft.com/office/drawing/2014/main" id="{9C4A215C-B55F-4988-B45B-7667E8C7CAF6}"/>
               </a:ext>
             </a:extLst>
           </p:cNvPr>
@@ -2723,7 +2717,7 @@
           <p:cNvPr id="7" name="슬라이드 번호 개체 틀 6">
             <a:extLst>
               <a:ext uri="{FF2B5EF4-FFF2-40B4-BE49-F238E27FC236}">
-                <a16:creationId xmlns:a16="http://schemas.microsoft.com/office/drawing/2014/main" xmlns="" id="{82FF3B86-5A48-411F-8090-830140A677FA}"/>
+                <a16:creationId xmlns="" xmlns:a16="http://schemas.microsoft.com/office/drawing/2014/main" id="{82FF3B86-5A48-411F-8090-830140A677FA}"/>
               </a:ext>
             </a:extLst>
           </p:cNvPr>
@@ -2787,7 +2781,7 @@
           <p:cNvPr id="2" name="제목 개체 틀 1">
             <a:extLst>
               <a:ext uri="{FF2B5EF4-FFF2-40B4-BE49-F238E27FC236}">
-                <a16:creationId xmlns:a16="http://schemas.microsoft.com/office/drawing/2014/main" xmlns="" id="{B9DF84FF-C412-430B-963A-695AABF70E5D}"/>
+                <a16:creationId xmlns="" xmlns:a16="http://schemas.microsoft.com/office/drawing/2014/main" id="{B9DF84FF-C412-430B-963A-695AABF70E5D}"/>
               </a:ext>
             </a:extLst>
           </p:cNvPr>
@@ -2825,7 +2819,7 @@
           <p:cNvPr id="3" name="텍스트 개체 틀 2">
             <a:extLst>
               <a:ext uri="{FF2B5EF4-FFF2-40B4-BE49-F238E27FC236}">
-                <a16:creationId xmlns:a16="http://schemas.microsoft.com/office/drawing/2014/main" xmlns="" id="{45EE7982-A999-4B0A-85F1-A0D5C55038DC}"/>
+                <a16:creationId xmlns="" xmlns:a16="http://schemas.microsoft.com/office/drawing/2014/main" id="{45EE7982-A999-4B0A-85F1-A0D5C55038DC}"/>
               </a:ext>
             </a:extLst>
           </p:cNvPr>
@@ -2892,7 +2886,7 @@
           <p:cNvPr id="4" name="날짜 개체 틀 3">
             <a:extLst>
               <a:ext uri="{FF2B5EF4-FFF2-40B4-BE49-F238E27FC236}">
-                <a16:creationId xmlns:a16="http://schemas.microsoft.com/office/drawing/2014/main" xmlns="" id="{3F48EB6A-F091-464F-A783-1AE546A56948}"/>
+                <a16:creationId xmlns="" xmlns:a16="http://schemas.microsoft.com/office/drawing/2014/main" id="{3F48EB6A-F091-464F-A783-1AE546A56948}"/>
               </a:ext>
             </a:extLst>
           </p:cNvPr>
@@ -2928,7 +2922,7 @@
           <a:p>
             <a:fld id="{246E467A-4026-4A8D-97BF-715EF7FA6491}" type="datetimeFigureOut">
               <a:rPr lang="ko-KR" altLang="en-US" smtClean="0"/>
-              <a:t>2023-02-02</a:t>
+              <a:t>2023-02-08</a:t>
             </a:fld>
             <a:endParaRPr lang="ko-KR" altLang="en-US"/>
           </a:p>
@@ -2939,7 +2933,7 @@
           <p:cNvPr id="5" name="바닥글 개체 틀 4">
             <a:extLst>
               <a:ext uri="{FF2B5EF4-FFF2-40B4-BE49-F238E27FC236}">
-                <a16:creationId xmlns:a16="http://schemas.microsoft.com/office/drawing/2014/main" xmlns="" id="{9531D2C7-63D5-4319-952D-A6F8404F460B}"/>
+                <a16:creationId xmlns="" xmlns:a16="http://schemas.microsoft.com/office/drawing/2014/main" id="{9531D2C7-63D5-4319-952D-A6F8404F460B}"/>
               </a:ext>
             </a:extLst>
           </p:cNvPr>
@@ -2982,7 +2976,7 @@
           <p:cNvPr id="6" name="슬라이드 번호 개체 틀 5">
             <a:extLst>
               <a:ext uri="{FF2B5EF4-FFF2-40B4-BE49-F238E27FC236}">
-                <a16:creationId xmlns:a16="http://schemas.microsoft.com/office/drawing/2014/main" xmlns="" id="{7739517A-02D4-4037-9427-974339FE7C30}"/>
+                <a16:creationId xmlns="" xmlns:a16="http://schemas.microsoft.com/office/drawing/2014/main" id="{7739517A-02D4-4037-9427-974339FE7C30}"/>
               </a:ext>
             </a:extLst>
           </p:cNvPr>
@@ -3358,7 +3352,7 @@
           <p:cNvPr id="2" name="TextBox 1">
             <a:extLst>
               <a:ext uri="{FF2B5EF4-FFF2-40B4-BE49-F238E27FC236}">
-                <a16:creationId xmlns:a16="http://schemas.microsoft.com/office/drawing/2014/main" xmlns="" id="{C70C938C-F8B1-4FFF-8F74-6ED0A876B136}"/>
+                <a16:creationId xmlns="" xmlns:a16="http://schemas.microsoft.com/office/drawing/2014/main" id="{C70C938C-F8B1-4FFF-8F74-6ED0A876B136}"/>
               </a:ext>
             </a:extLst>
           </p:cNvPr>
@@ -3399,7 +3393,7 @@
           <p:cNvPr id="3" name="TextBox 2">
             <a:extLst>
               <a:ext uri="{FF2B5EF4-FFF2-40B4-BE49-F238E27FC236}">
-                <a16:creationId xmlns:a16="http://schemas.microsoft.com/office/drawing/2014/main" xmlns="" id="{CC61FC92-B1C1-4C46-ABEF-2B6B78AA5915}"/>
+                <a16:creationId xmlns="" xmlns:a16="http://schemas.microsoft.com/office/drawing/2014/main" id="{CC61FC92-B1C1-4C46-ABEF-2B6B78AA5915}"/>
               </a:ext>
             </a:extLst>
           </p:cNvPr>
@@ -3440,7 +3434,7 @@
           <p:cNvPr id="8" name="그림 7" descr="사람, 서있는, 남자, 착용이(가) 표시된 사진&#10;&#10;자동 생성된 설명">
             <a:extLst>
               <a:ext uri="{FF2B5EF4-FFF2-40B4-BE49-F238E27FC236}">
-                <a16:creationId xmlns:a16="http://schemas.microsoft.com/office/drawing/2014/main" xmlns="" id="{398D98B8-2DFA-8476-B48A-2240354A960C}"/>
+                <a16:creationId xmlns="" xmlns:a16="http://schemas.microsoft.com/office/drawing/2014/main" id="{398D98B8-2DFA-8476-B48A-2240354A960C}"/>
               </a:ext>
             </a:extLst>
           </p:cNvPr>
@@ -3476,7 +3470,7 @@
           <p:cNvPr id="10" name="그림 9" descr="사람이(가) 표시된 사진&#10;&#10;자동 생성된 설명">
             <a:extLst>
               <a:ext uri="{FF2B5EF4-FFF2-40B4-BE49-F238E27FC236}">
-                <a16:creationId xmlns:a16="http://schemas.microsoft.com/office/drawing/2014/main" xmlns="" id="{0BE051E3-CAB7-BCFC-0441-E2FD03007A8D}"/>
+                <a16:creationId xmlns="" xmlns:a16="http://schemas.microsoft.com/office/drawing/2014/main" id="{0BE051E3-CAB7-BCFC-0441-E2FD03007A8D}"/>
               </a:ext>
             </a:extLst>
           </p:cNvPr>
@@ -3512,7 +3506,7 @@
           <p:cNvPr id="12" name="그림 11" descr="사람, 남자, 착용, 서있는이(가) 표시된 사진&#10;&#10;자동 생성된 설명">
             <a:extLst>
               <a:ext uri="{FF2B5EF4-FFF2-40B4-BE49-F238E27FC236}">
-                <a16:creationId xmlns:a16="http://schemas.microsoft.com/office/drawing/2014/main" xmlns="" id="{E9B0AD0F-14A6-F8C1-AEF5-1B01B5CEF846}"/>
+                <a16:creationId xmlns="" xmlns:a16="http://schemas.microsoft.com/office/drawing/2014/main" id="{E9B0AD0F-14A6-F8C1-AEF5-1B01B5CEF846}"/>
               </a:ext>
             </a:extLst>
           </p:cNvPr>
@@ -3585,22 +3579,95 @@
           <a:chExt cx="0" cy="0"/>
         </a:xfrm>
       </p:grpSpPr>
+      <p:cxnSp>
+        <p:nvCxnSpPr>
+          <p:cNvPr id="3" name="직선 연결선 2">
+            <a:extLst>
+              <a:ext uri="{FF2B5EF4-FFF2-40B4-BE49-F238E27FC236}">
+                <a16:creationId xmlns="" xmlns:a16="http://schemas.microsoft.com/office/drawing/2014/main" id="{30B7886A-E2C2-47A8-A271-1FD08F52EED0}"/>
+              </a:ext>
+            </a:extLst>
+          </p:cNvPr>
+          <p:cNvCxnSpPr>
+            <a:cxnSpLocks/>
+          </p:cNvCxnSpPr>
+          <p:nvPr/>
+        </p:nvCxnSpPr>
+        <p:spPr>
+          <a:xfrm>
+            <a:off x="152400" y="190500"/>
+            <a:ext cx="1435100" cy="0"/>
+          </a:xfrm>
+          <a:prstGeom prst="line">
+            <a:avLst/>
+          </a:prstGeom>
+          <a:ln w="76200">
+            <a:solidFill>
+              <a:schemeClr val="accent4"/>
+            </a:solidFill>
+          </a:ln>
+        </p:spPr>
+        <p:style>
+          <a:lnRef idx="1">
+            <a:schemeClr val="accent1"/>
+          </a:lnRef>
+          <a:fillRef idx="0">
+            <a:schemeClr val="accent1"/>
+          </a:fillRef>
+          <a:effectRef idx="0">
+            <a:schemeClr val="accent1"/>
+          </a:effectRef>
+          <a:fontRef idx="minor">
+            <a:schemeClr val="tx1"/>
+          </a:fontRef>
+        </p:style>
+      </p:cxnSp>
+      <p:cxnSp>
+        <p:nvCxnSpPr>
+          <p:cNvPr id="18" name="직선 연결선 17">
+            <a:extLst>
+              <a:ext uri="{FF2B5EF4-FFF2-40B4-BE49-F238E27FC236}">
+                <a16:creationId xmlns="" xmlns:a16="http://schemas.microsoft.com/office/drawing/2014/main" id="{7911BDFD-7E29-44F7-9ED7-E8F36B51436C}"/>
+              </a:ext>
+            </a:extLst>
+          </p:cNvPr>
+          <p:cNvCxnSpPr/>
+          <p:nvPr/>
+        </p:nvCxnSpPr>
+        <p:spPr>
+          <a:xfrm>
+            <a:off x="1587500" y="190500"/>
+            <a:ext cx="10604500" cy="0"/>
+          </a:xfrm>
+          <a:prstGeom prst="line">
+            <a:avLst/>
+          </a:prstGeom>
+        </p:spPr>
+        <p:style>
+          <a:lnRef idx="1">
+            <a:schemeClr val="accent1"/>
+          </a:lnRef>
+          <a:fillRef idx="0">
+            <a:schemeClr val="accent1"/>
+          </a:fillRef>
+          <a:effectRef idx="0">
+            <a:schemeClr val="accent1"/>
+          </a:effectRef>
+          <a:fontRef idx="minor">
+            <a:schemeClr val="tx1"/>
+          </a:fontRef>
+        </p:style>
+      </p:cxnSp>
       <p:pic>
         <p:nvPicPr>
-          <p:cNvPr id="3" name="그림 2">
-            <a:extLst>
-              <a:ext uri="{FF2B5EF4-FFF2-40B4-BE49-F238E27FC236}">
-                <a16:creationId xmlns:a16="http://schemas.microsoft.com/office/drawing/2014/main" xmlns="" id="{E8DF8F64-FACD-4847-BB7E-4C0E15556C2A}"/>
-              </a:ext>
-            </a:extLst>
-          </p:cNvPr>
+          <p:cNvPr id="1026" name="Picture 2" descr="C:\Users\user\Desktop\1.1.GIF"/>
           <p:cNvPicPr>
-            <a:picLocks noChangeAspect="1"/>
+            <a:picLocks noChangeAspect="1" noChangeArrowheads="1"/>
           </p:cNvPicPr>
           <p:nvPr/>
         </p:nvPicPr>
-        <p:blipFill rotWithShape="1">
-          <a:blip r:embed="rId2" cstate="screen">
+        <p:blipFill>
+          <a:blip r:embed="rId2">
             <a:extLst>
               <a:ext uri="{28A0092B-C50C-407E-A947-70E740481C1C}">
                 <a14:useLocalDpi xmlns:a14="http://schemas.microsoft.com/office/drawing/2010/main" val="0"/>
@@ -3608,127 +3675,172 @@
             </a:extLst>
           </a:blip>
           <a:srcRect/>
-          <a:stretch/>
+          <a:stretch>
+            <a:fillRect/>
+          </a:stretch>
         </p:blipFill>
-        <p:spPr>
+        <p:spPr bwMode="auto">
           <a:xfrm>
-            <a:off x="6096000" y="0"/>
-            <a:ext cx="6096000" cy="6858000"/>
+            <a:off x="717550" y="901700"/>
+            <a:ext cx="4787900" cy="5035550"/>
           </a:xfrm>
           <a:prstGeom prst="rect">
             <a:avLst/>
           </a:prstGeom>
+          <a:noFill/>
+          <a:extLst>
+            <a:ext uri="{909E8E84-426E-40DD-AFC4-6F175D3DCCD1}">
+              <a14:hiddenFill xmlns:a14="http://schemas.microsoft.com/office/drawing/2010/main">
+                <a:solidFill>
+                  <a:srgbClr val="FFFFFF"/>
+                </a:solidFill>
+              </a14:hiddenFill>
+            </a:ext>
+          </a:extLst>
         </p:spPr>
       </p:pic>
-      <p:grpSp>
-        <p:nvGrpSpPr>
-          <p:cNvPr id="6" name="그룹 5">
-            <a:extLst>
-              <a:ext uri="{FF2B5EF4-FFF2-40B4-BE49-F238E27FC236}">
-                <a16:creationId xmlns:a16="http://schemas.microsoft.com/office/drawing/2014/main" xmlns="" id="{245DB8B0-BCF9-4A29-9197-7A48AFB9D1DC}"/>
-              </a:ext>
-            </a:extLst>
-          </p:cNvPr>
-          <p:cNvGrpSpPr/>
+      <p:pic>
+        <p:nvPicPr>
+          <p:cNvPr id="1027" name="Picture 3" descr="C:\Users\user\Desktop\1.2.GIF"/>
+          <p:cNvPicPr>
+            <a:picLocks noChangeAspect="1" noChangeArrowheads="1"/>
+          </p:cNvPicPr>
           <p:nvPr/>
-        </p:nvGrpSpPr>
-        <p:grpSpPr>
+        </p:nvPicPr>
+        <p:blipFill>
+          <a:blip r:embed="rId3">
+            <a:extLst>
+              <a:ext uri="{28A0092B-C50C-407E-A947-70E740481C1C}">
+                <a14:useLocalDpi xmlns:a14="http://schemas.microsoft.com/office/drawing/2010/main" val="0"/>
+              </a:ext>
+            </a:extLst>
+          </a:blip>
+          <a:srcRect/>
+          <a:stretch>
+            <a:fillRect/>
+          </a:stretch>
+        </p:blipFill>
+        <p:spPr bwMode="auto">
           <a:xfrm>
-            <a:off x="901700" y="2721114"/>
-            <a:ext cx="2687531" cy="1415772"/>
-            <a:chOff x="901700" y="2721114"/>
-            <a:chExt cx="2687531" cy="1415772"/>
+            <a:off x="6521450" y="920750"/>
+            <a:ext cx="4730750" cy="5016500"/>
           </a:xfrm>
-        </p:grpSpPr>
-        <p:sp>
-          <p:nvSpPr>
-            <p:cNvPr id="2" name="TextBox 1">
-              <a:extLst>
-                <a:ext uri="{FF2B5EF4-FFF2-40B4-BE49-F238E27FC236}">
-                  <a16:creationId xmlns:a16="http://schemas.microsoft.com/office/drawing/2014/main" xmlns="" id="{12F75DDD-8FAC-423E-87FB-5D62741FF7B1}"/>
-                </a:ext>
-              </a:extLst>
-            </p:cNvPr>
-            <p:cNvSpPr txBox="1"/>
-            <p:nvPr/>
-          </p:nvSpPr>
-          <p:spPr>
-            <a:xfrm>
-              <a:off x="901700" y="2721114"/>
-              <a:ext cx="1877437" cy="769441"/>
-            </a:xfrm>
-            <a:prstGeom prst="rect">
-              <a:avLst/>
-            </a:prstGeom>
+          <a:prstGeom prst="rect">
+            <a:avLst/>
+          </a:prstGeom>
+          <a:noFill/>
+          <a:extLst>
+            <a:ext uri="{909E8E84-426E-40DD-AFC4-6F175D3DCCD1}">
+              <a14:hiddenFill xmlns:a14="http://schemas.microsoft.com/office/drawing/2010/main">
+                <a:solidFill>
+                  <a:srgbClr val="FFFFFF"/>
+                </a:solidFill>
+              </a14:hiddenFill>
+            </a:ext>
+          </a:extLst>
+        </p:spPr>
+      </p:pic>
+      <p:sp>
+        <p:nvSpPr>
+          <p:cNvPr id="2" name="오른쪽 화살표 1"/>
+          <p:cNvSpPr/>
+          <p:nvPr/>
+        </p:nvSpPr>
+        <p:spPr>
+          <a:xfrm>
+            <a:off x="5588000" y="3067050"/>
+            <a:ext cx="838200" cy="723900"/>
+          </a:xfrm>
+          <a:prstGeom prst="rightArrow">
+            <a:avLst/>
+          </a:prstGeom>
+          <a:solidFill>
+            <a:schemeClr val="accent4"/>
+          </a:solidFill>
+          <a:ln>
             <a:noFill/>
-          </p:spPr>
-          <p:txBody>
-            <a:bodyPr wrap="none" rtlCol="0">
-              <a:spAutoFit/>
-            </a:bodyPr>
-            <a:lstStyle/>
-            <a:p>
-              <a:r>
-                <a:rPr lang="ko-KR" altLang="en-US" sz="4400" dirty="0" smtClean="0">
-                  <a:latin typeface="+mj-lt"/>
-                </a:rPr>
-                <a:t>이재현</a:t>
-              </a:r>
-              <a:endParaRPr lang="ko-KR" altLang="en-US" sz="4400" dirty="0">
-                <a:latin typeface="+mj-lt"/>
-              </a:endParaRPr>
-            </a:p>
-          </p:txBody>
-        </p:sp>
-        <p:sp>
-          <p:nvSpPr>
-            <p:cNvPr id="4" name="TextBox 3">
-              <a:extLst>
-                <a:ext uri="{FF2B5EF4-FFF2-40B4-BE49-F238E27FC236}">
-                  <a16:creationId xmlns:a16="http://schemas.microsoft.com/office/drawing/2014/main" xmlns="" id="{988839C2-BAAB-4531-A42C-39A13C09E321}"/>
-                </a:ext>
-              </a:extLst>
-            </p:cNvPr>
-            <p:cNvSpPr txBox="1"/>
-            <p:nvPr/>
-          </p:nvSpPr>
-          <p:spPr>
-            <a:xfrm>
-              <a:off x="901700" y="3490555"/>
-              <a:ext cx="2687531" cy="646331"/>
-            </a:xfrm>
-            <a:prstGeom prst="rect">
-              <a:avLst/>
-            </a:prstGeom>
-            <a:noFill/>
-          </p:spPr>
-          <p:txBody>
-            <a:bodyPr wrap="none" rtlCol="0">
-              <a:spAutoFit/>
-            </a:bodyPr>
-            <a:lstStyle/>
-            <a:p>
-              <a:r>
-                <a:rPr lang="en-US" altLang="ko-KR" sz="3600" spc="-300" dirty="0" smtClean="0"/>
-                <a:t>“</a:t>
-              </a:r>
-              <a:r>
-                <a:rPr lang="ko-KR" altLang="en-US" sz="3600" spc="-300" dirty="0" smtClean="0"/>
-                <a:t>지난주  작업</a:t>
-              </a:r>
-              <a:r>
-                <a:rPr lang="en-US" altLang="ko-KR" sz="3600" spc="-300" dirty="0" smtClean="0"/>
-                <a:t>”</a:t>
-              </a:r>
-              <a:endParaRPr lang="ko-KR" altLang="en-US" sz="3600" spc="-300" dirty="0"/>
-            </a:p>
-          </p:txBody>
-        </p:sp>
-      </p:grpSp>
+          </a:ln>
+        </p:spPr>
+        <p:style>
+          <a:lnRef idx="2">
+            <a:schemeClr val="accent1">
+              <a:shade val="50000"/>
+            </a:schemeClr>
+          </a:lnRef>
+          <a:fillRef idx="1">
+            <a:schemeClr val="accent1"/>
+          </a:fillRef>
+          <a:effectRef idx="0">
+            <a:schemeClr val="accent1"/>
+          </a:effectRef>
+          <a:fontRef idx="minor">
+            <a:schemeClr val="lt1"/>
+          </a:fontRef>
+        </p:style>
+        <p:txBody>
+          <a:bodyPr rtlCol="0" anchor="ctr"/>
+          <a:lstStyle/>
+          <a:p>
+            <a:pPr algn="ctr"/>
+            <a:endParaRPr lang="ko-KR" altLang="en-US"/>
+          </a:p>
+        </p:txBody>
+      </p:sp>
+      <p:sp>
+        <p:nvSpPr>
+          <p:cNvPr id="4" name="TextBox 3"/>
+          <p:cNvSpPr txBox="1"/>
+          <p:nvPr/>
+        </p:nvSpPr>
+        <p:spPr>
+          <a:xfrm>
+            <a:off x="1133231" y="6064738"/>
+            <a:ext cx="9667631" cy="369332"/>
+          </a:xfrm>
+          <a:prstGeom prst="rect">
+            <a:avLst/>
+          </a:prstGeom>
+          <a:noFill/>
+        </p:spPr>
+        <p:txBody>
+          <a:bodyPr wrap="square" rtlCol="0">
+            <a:spAutoFit/>
+          </a:bodyPr>
+          <a:lstStyle/>
+          <a:p>
+            <a:pPr algn="ctr"/>
+            <a:r>
+              <a:rPr lang="ko-KR" altLang="en-US" dirty="0" smtClean="0"/>
+              <a:t>배경 </a:t>
+            </a:r>
+            <a:r>
+              <a:rPr lang="ko-KR" altLang="en-US" dirty="0" err="1" smtClean="0"/>
+              <a:t>알파값</a:t>
+            </a:r>
+            <a:r>
+              <a:rPr lang="ko-KR" altLang="en-US" dirty="0" smtClean="0"/>
+              <a:t> 제거</a:t>
+            </a:r>
+            <a:r>
+              <a:rPr lang="en-US" altLang="ko-KR" dirty="0" smtClean="0"/>
+              <a:t>(</a:t>
+            </a:r>
+            <a:r>
+              <a:rPr lang="ko-KR" altLang="en-US" dirty="0" smtClean="0"/>
+              <a:t>데이터 셋 정리</a:t>
+            </a:r>
+            <a:r>
+              <a:rPr lang="en-US" altLang="ko-KR" dirty="0" smtClean="0"/>
+              <a:t>)</a:t>
+            </a:r>
+            <a:endParaRPr lang="ko-KR" altLang="en-US" dirty="0"/>
+          </a:p>
+        </p:txBody>
+      </p:sp>
     </p:spTree>
     <p:extLst>
       <p:ext uri="{BB962C8B-B14F-4D97-AF65-F5344CB8AC3E}">
-        <p14:creationId xmlns:p14="http://schemas.microsoft.com/office/powerpoint/2010/main" val="965416372"/>
+        <p14:creationId xmlns:p14="http://schemas.microsoft.com/office/powerpoint/2010/main" val="1487310101"/>
       </p:ext>
     </p:extLst>
   </p:cSld>
@@ -3772,285 +3884,7 @@
           <p:cNvPr id="3" name="직선 연결선 2">
             <a:extLst>
               <a:ext uri="{FF2B5EF4-FFF2-40B4-BE49-F238E27FC236}">
-                <a16:creationId xmlns:a16="http://schemas.microsoft.com/office/drawing/2014/main" xmlns="" id="{30B7886A-E2C2-47A8-A271-1FD08F52EED0}"/>
-              </a:ext>
-            </a:extLst>
-          </p:cNvPr>
-          <p:cNvCxnSpPr>
-            <a:cxnSpLocks/>
-          </p:cNvCxnSpPr>
-          <p:nvPr/>
-        </p:nvCxnSpPr>
-        <p:spPr>
-          <a:xfrm>
-            <a:off x="152400" y="190500"/>
-            <a:ext cx="1435100" cy="0"/>
-          </a:xfrm>
-          <a:prstGeom prst="line">
-            <a:avLst/>
-          </a:prstGeom>
-          <a:ln w="76200">
-            <a:solidFill>
-              <a:schemeClr val="accent4"/>
-            </a:solidFill>
-          </a:ln>
-        </p:spPr>
-        <p:style>
-          <a:lnRef idx="1">
-            <a:schemeClr val="accent1"/>
-          </a:lnRef>
-          <a:fillRef idx="0">
-            <a:schemeClr val="accent1"/>
-          </a:fillRef>
-          <a:effectRef idx="0">
-            <a:schemeClr val="accent1"/>
-          </a:effectRef>
-          <a:fontRef idx="minor">
-            <a:schemeClr val="tx1"/>
-          </a:fontRef>
-        </p:style>
-      </p:cxnSp>
-      <p:sp>
-        <p:nvSpPr>
-          <p:cNvPr id="6" name="TextBox 5">
-            <a:extLst>
-              <a:ext uri="{FF2B5EF4-FFF2-40B4-BE49-F238E27FC236}">
-                <a16:creationId xmlns:a16="http://schemas.microsoft.com/office/drawing/2014/main" xmlns="" id="{3C4D8878-800F-4A94-9AEE-55D2DF32C42C}"/>
-              </a:ext>
-            </a:extLst>
-          </p:cNvPr>
-          <p:cNvSpPr txBox="1"/>
-          <p:nvPr/>
-        </p:nvSpPr>
-        <p:spPr>
-          <a:xfrm>
-            <a:off x="1285383" y="5170784"/>
-            <a:ext cx="4854214" cy="954107"/>
-          </a:xfrm>
-          <a:prstGeom prst="rect">
-            <a:avLst/>
-          </a:prstGeom>
-          <a:noFill/>
-        </p:spPr>
-        <p:txBody>
-          <a:bodyPr wrap="none" rtlCol="0">
-            <a:spAutoFit/>
-          </a:bodyPr>
-          <a:lstStyle/>
-          <a:p>
-            <a:r>
-              <a:rPr lang="ko-KR" altLang="en-US" sz="2800" dirty="0" smtClean="0">
-                <a:solidFill>
-                  <a:schemeClr val="accent4"/>
-                </a:solidFill>
-              </a:rPr>
-              <a:t>기초 화면 </a:t>
-            </a:r>
-            <a:r>
-              <a:rPr lang="ko-KR" altLang="en-US" sz="2800" dirty="0" err="1" smtClean="0">
-                <a:solidFill>
-                  <a:schemeClr val="accent4"/>
-                </a:solidFill>
-              </a:rPr>
-              <a:t>렌더링</a:t>
-            </a:r>
-            <a:r>
-              <a:rPr lang="ko-KR" altLang="en-US" sz="2800" dirty="0" smtClean="0">
-                <a:solidFill>
-                  <a:schemeClr val="accent4"/>
-                </a:solidFill>
-              </a:rPr>
-              <a:t> 파트 구현 </a:t>
-            </a:r>
-            <a:endParaRPr lang="en-US" altLang="ko-KR" sz="2800" dirty="0" smtClean="0">
-              <a:solidFill>
-                <a:schemeClr val="accent4"/>
-              </a:solidFill>
-            </a:endParaRPr>
-          </a:p>
-          <a:p>
-            <a:r>
-              <a:rPr lang="ko-KR" altLang="en-US" sz="2800" dirty="0" smtClean="0">
-                <a:solidFill>
-                  <a:schemeClr val="accent4"/>
-                </a:solidFill>
-              </a:rPr>
-              <a:t>마우스를 통한 시점 변경 추가 </a:t>
-            </a:r>
-            <a:endParaRPr lang="ko-KR" altLang="en-US" sz="2800" dirty="0">
-              <a:solidFill>
-                <a:schemeClr val="accent4"/>
-              </a:solidFill>
-            </a:endParaRPr>
-          </a:p>
-        </p:txBody>
-      </p:sp>
-      <p:cxnSp>
-        <p:nvCxnSpPr>
-          <p:cNvPr id="18" name="직선 연결선 17">
-            <a:extLst>
-              <a:ext uri="{FF2B5EF4-FFF2-40B4-BE49-F238E27FC236}">
-                <a16:creationId xmlns:a16="http://schemas.microsoft.com/office/drawing/2014/main" xmlns="" id="{7911BDFD-7E29-44F7-9ED7-E8F36B51436C}"/>
-              </a:ext>
-            </a:extLst>
-          </p:cNvPr>
-          <p:cNvCxnSpPr/>
-          <p:nvPr/>
-        </p:nvCxnSpPr>
-        <p:spPr>
-          <a:xfrm>
-            <a:off x="1587500" y="190500"/>
-            <a:ext cx="10604500" cy="0"/>
-          </a:xfrm>
-          <a:prstGeom prst="line">
-            <a:avLst/>
-          </a:prstGeom>
-        </p:spPr>
-        <p:style>
-          <a:lnRef idx="1">
-            <a:schemeClr val="accent1"/>
-          </a:lnRef>
-          <a:fillRef idx="0">
-            <a:schemeClr val="accent1"/>
-          </a:fillRef>
-          <a:effectRef idx="0">
-            <a:schemeClr val="accent1"/>
-          </a:effectRef>
-          <a:fontRef idx="minor">
-            <a:schemeClr val="tx1"/>
-          </a:fontRef>
-        </p:style>
-      </p:cxnSp>
-      <p:pic>
-        <p:nvPicPr>
-          <p:cNvPr id="1026" name="Picture 2" descr="C:\Users\user\Desktop\00.GIF"/>
-          <p:cNvPicPr>
-            <a:picLocks noChangeAspect="1" noChangeArrowheads="1"/>
-          </p:cNvPicPr>
-          <p:nvPr/>
-        </p:nvPicPr>
-        <p:blipFill>
-          <a:blip r:embed="rId2" cstate="screen">
-            <a:extLst>
-              <a:ext uri="{28A0092B-C50C-407E-A947-70E740481C1C}">
-                <a14:useLocalDpi xmlns:a14="http://schemas.microsoft.com/office/drawing/2010/main" val="0"/>
-              </a:ext>
-            </a:extLst>
-          </a:blip>
-          <a:srcRect/>
-          <a:stretch>
-            <a:fillRect/>
-          </a:stretch>
-        </p:blipFill>
-        <p:spPr bwMode="auto">
-          <a:xfrm>
-            <a:off x="812799" y="1179393"/>
-            <a:ext cx="4302092" cy="3611682"/>
-          </a:xfrm>
-          <a:prstGeom prst="rect">
-            <a:avLst/>
-          </a:prstGeom>
-          <a:noFill/>
-          <a:extLst>
-            <a:ext uri="{909E8E84-426E-40DD-AFC4-6F175D3DCCD1}">
-              <a14:hiddenFill xmlns:a14="http://schemas.microsoft.com/office/drawing/2010/main">
-                <a:solidFill>
-                  <a:srgbClr val="FFFFFF"/>
-                </a:solidFill>
-              </a14:hiddenFill>
-            </a:ext>
-          </a:extLst>
-        </p:spPr>
-      </p:pic>
-      <p:pic>
-        <p:nvPicPr>
-          <p:cNvPr id="1028" name="Picture 4" descr="C:\Users\user\Desktop\1.0.GIF"/>
-          <p:cNvPicPr>
-            <a:picLocks noChangeAspect="1" noChangeArrowheads="1"/>
-          </p:cNvPicPr>
-          <p:nvPr/>
-        </p:nvPicPr>
-        <p:blipFill>
-          <a:blip r:embed="rId3">
-            <a:extLst>
-              <a:ext uri="{28A0092B-C50C-407E-A947-70E740481C1C}">
-                <a14:useLocalDpi xmlns:a14="http://schemas.microsoft.com/office/drawing/2010/main" val="0"/>
-              </a:ext>
-            </a:extLst>
-          </a:blip>
-          <a:srcRect/>
-          <a:stretch>
-            <a:fillRect/>
-          </a:stretch>
-        </p:blipFill>
-        <p:spPr bwMode="auto">
-          <a:xfrm>
-            <a:off x="5730874" y="1179393"/>
-            <a:ext cx="5318125" cy="3611682"/>
-          </a:xfrm>
-          <a:prstGeom prst="rect">
-            <a:avLst/>
-          </a:prstGeom>
-          <a:noFill/>
-          <a:extLst>
-            <a:ext uri="{909E8E84-426E-40DD-AFC4-6F175D3DCCD1}">
-              <a14:hiddenFill xmlns:a14="http://schemas.microsoft.com/office/drawing/2010/main">
-                <a:solidFill>
-                  <a:srgbClr val="FFFFFF"/>
-                </a:solidFill>
-              </a14:hiddenFill>
-            </a:ext>
-          </a:extLst>
-        </p:spPr>
-      </p:pic>
-    </p:spTree>
-    <p:extLst>
-      <p:ext uri="{BB962C8B-B14F-4D97-AF65-F5344CB8AC3E}">
-        <p14:creationId xmlns:p14="http://schemas.microsoft.com/office/powerpoint/2010/main" val="3816055464"/>
-      </p:ext>
-    </p:extLst>
-  </p:cSld>
-  <p:clrMapOvr>
-    <a:masterClrMapping/>
-  </p:clrMapOvr>
-  <mc:AlternateContent xmlns:mc="http://schemas.openxmlformats.org/markup-compatibility/2006" xmlns:p14="http://schemas.microsoft.com/office/powerpoint/2010/main">
-    <mc:Choice Requires="p14">
-      <p:transition spd="med" p14:dur="700">
-        <p:fade/>
-      </p:transition>
-    </mc:Choice>
-    <mc:Fallback xmlns="">
-      <p:transition spd="med">
-        <p:fade/>
-      </p:transition>
-    </mc:Fallback>
-  </mc:AlternateContent>
-</p:sld>
-</file>
-
-<file path=ppt/slides/slide4.xml><?xml version="1.0" encoding="utf-8"?>
-<p:sld xmlns:a="http://schemas.openxmlformats.org/drawingml/2006/main" xmlns:r="http://schemas.openxmlformats.org/officeDocument/2006/relationships" xmlns:p="http://schemas.openxmlformats.org/presentationml/2006/main">
-  <p:cSld>
-    <p:spTree>
-      <p:nvGrpSpPr>
-        <p:cNvPr id="1" name=""/>
-        <p:cNvGrpSpPr/>
-        <p:nvPr/>
-      </p:nvGrpSpPr>
-      <p:grpSpPr>
-        <a:xfrm>
-          <a:off x="0" y="0"/>
-          <a:ext cx="0" cy="0"/>
-          <a:chOff x="0" y="0"/>
-          <a:chExt cx="0" cy="0"/>
-        </a:xfrm>
-      </p:grpSpPr>
-      <p:cxnSp>
-        <p:nvCxnSpPr>
-          <p:cNvPr id="3" name="직선 연결선 2">
-            <a:extLst>
-              <a:ext uri="{FF2B5EF4-FFF2-40B4-BE49-F238E27FC236}">
-                <a16:creationId xmlns:a16="http://schemas.microsoft.com/office/drawing/2014/main" xmlns="" id="{30B7886A-E2C2-47A8-A271-1FD08F52EED0}"/>
+                <a16:creationId xmlns="" xmlns:a16="http://schemas.microsoft.com/office/drawing/2014/main" id="{30B7886A-E2C2-47A8-A271-1FD08F52EED0}"/>
               </a:ext>
             </a:extLst>
           </p:cNvPr>
@@ -4093,7 +3927,7 @@
           <p:cNvPr id="18" name="직선 연결선 17">
             <a:extLst>
               <a:ext uri="{FF2B5EF4-FFF2-40B4-BE49-F238E27FC236}">
-                <a16:creationId xmlns:a16="http://schemas.microsoft.com/office/drawing/2014/main" xmlns="" id="{7911BDFD-7E29-44F7-9ED7-E8F36B51436C}"/>
+                <a16:creationId xmlns="" xmlns:a16="http://schemas.microsoft.com/office/drawing/2014/main" id="{7911BDFD-7E29-44F7-9ED7-E8F36B51436C}"/>
               </a:ext>
             </a:extLst>
           </p:cNvPr>
@@ -4124,2937 +3958,10 @@
           </a:fontRef>
         </p:style>
       </p:cxnSp>
-      <p:pic>
-        <p:nvPicPr>
-          <p:cNvPr id="2050" name="Picture 2" descr="C:\Users\user\Desktop\크롤링.GIF"/>
-          <p:cNvPicPr>
-            <a:picLocks noChangeAspect="1" noChangeArrowheads="1"/>
-          </p:cNvPicPr>
-          <p:nvPr/>
-        </p:nvPicPr>
-        <p:blipFill>
-          <a:blip r:embed="rId2">
-            <a:extLst>
-              <a:ext uri="{28A0092B-C50C-407E-A947-70E740481C1C}">
-                <a14:useLocalDpi xmlns:a14="http://schemas.microsoft.com/office/drawing/2010/main" val="0"/>
-              </a:ext>
-            </a:extLst>
-          </a:blip>
-          <a:srcRect/>
-          <a:stretch>
-            <a:fillRect/>
-          </a:stretch>
-        </p:blipFill>
-        <p:spPr bwMode="auto">
-          <a:xfrm>
-            <a:off x="1069483" y="669925"/>
-            <a:ext cx="9394825" cy="4311650"/>
-          </a:xfrm>
-          <a:prstGeom prst="rect">
-            <a:avLst/>
-          </a:prstGeom>
-          <a:noFill/>
-          <a:extLst>
-            <a:ext uri="{909E8E84-426E-40DD-AFC4-6F175D3DCCD1}">
-              <a14:hiddenFill xmlns:a14="http://schemas.microsoft.com/office/drawing/2010/main">
-                <a:solidFill>
-                  <a:srgbClr val="FFFFFF"/>
-                </a:solidFill>
-              </a14:hiddenFill>
-            </a:ext>
-          </a:extLst>
-        </p:spPr>
-      </p:pic>
-      <p:sp>
-        <p:nvSpPr>
-          <p:cNvPr id="8" name="TextBox 7">
-            <a:extLst>
-              <a:ext uri="{FF2B5EF4-FFF2-40B4-BE49-F238E27FC236}">
-                <a16:creationId xmlns:a16="http://schemas.microsoft.com/office/drawing/2014/main" xmlns="" id="{3C4D8878-800F-4A94-9AEE-55D2DF32C42C}"/>
-              </a:ext>
-            </a:extLst>
-          </p:cNvPr>
-          <p:cNvSpPr txBox="1"/>
-          <p:nvPr/>
-        </p:nvSpPr>
-        <p:spPr>
-          <a:xfrm>
-            <a:off x="1285383" y="5170784"/>
-            <a:ext cx="4350871" cy="523220"/>
-          </a:xfrm>
-          <a:prstGeom prst="rect">
-            <a:avLst/>
-          </a:prstGeom>
-          <a:noFill/>
-        </p:spPr>
-        <p:txBody>
-          <a:bodyPr wrap="none" rtlCol="0">
-            <a:spAutoFit/>
-          </a:bodyPr>
-          <a:lstStyle/>
-          <a:p>
-            <a:r>
-              <a:rPr lang="ko-KR" altLang="en-US" sz="2800" dirty="0" err="1" smtClean="0">
-                <a:solidFill>
-                  <a:schemeClr val="accent4"/>
-                </a:solidFill>
-              </a:rPr>
-              <a:t>크롤링</a:t>
-            </a:r>
-            <a:r>
-              <a:rPr lang="ko-KR" altLang="en-US" sz="2800" dirty="0" err="1" smtClean="0">
-                <a:solidFill>
-                  <a:schemeClr val="accent4"/>
-                </a:solidFill>
-              </a:rPr>
-              <a:t>을</a:t>
-            </a:r>
-            <a:r>
-              <a:rPr lang="ko-KR" altLang="en-US" sz="2800" dirty="0" smtClean="0">
-                <a:solidFill>
-                  <a:schemeClr val="accent4"/>
-                </a:solidFill>
-              </a:rPr>
-              <a:t> 통한 데이터 수집</a:t>
-            </a:r>
-            <a:endParaRPr lang="en-US" altLang="ko-KR" sz="2800" dirty="0" smtClean="0">
-              <a:solidFill>
-                <a:schemeClr val="accent4"/>
-              </a:solidFill>
-            </a:endParaRPr>
-          </a:p>
-        </p:txBody>
-      </p:sp>
     </p:spTree>
     <p:extLst>
       <p:ext uri="{BB962C8B-B14F-4D97-AF65-F5344CB8AC3E}">
-        <p14:creationId xmlns:p14="http://schemas.microsoft.com/office/powerpoint/2010/main" val="1487310101"/>
-      </p:ext>
-    </p:extLst>
-  </p:cSld>
-  <p:clrMapOvr>
-    <a:masterClrMapping/>
-  </p:clrMapOvr>
-  <mc:AlternateContent xmlns:mc="http://schemas.openxmlformats.org/markup-compatibility/2006" xmlns:p14="http://schemas.microsoft.com/office/powerpoint/2010/main">
-    <mc:Choice Requires="p14">
-      <p:transition spd="med" p14:dur="700">
-        <p:fade/>
-      </p:transition>
-    </mc:Choice>
-    <mc:Fallback xmlns="">
-      <p:transition spd="med">
-        <p:fade/>
-      </p:transition>
-    </mc:Fallback>
-  </mc:AlternateContent>
-</p:sld>
-</file>
-
-<file path=ppt/slides/slide5.xml><?xml version="1.0" encoding="utf-8"?>
-<p:sld xmlns:a="http://schemas.openxmlformats.org/drawingml/2006/main" xmlns:r="http://schemas.openxmlformats.org/officeDocument/2006/relationships" xmlns:p="http://schemas.openxmlformats.org/presentationml/2006/main">
-  <p:cSld>
-    <p:spTree>
-      <p:nvGrpSpPr>
-        <p:cNvPr id="1" name=""/>
-        <p:cNvGrpSpPr/>
-        <p:nvPr/>
-      </p:nvGrpSpPr>
-      <p:grpSpPr>
-        <a:xfrm>
-          <a:off x="0" y="0"/>
-          <a:ext cx="0" cy="0"/>
-          <a:chOff x="0" y="0"/>
-          <a:chExt cx="0" cy="0"/>
-        </a:xfrm>
-      </p:grpSpPr>
-      <p:pic>
-        <p:nvPicPr>
-          <p:cNvPr id="3" name="그림 2">
-            <a:extLst>
-              <a:ext uri="{FF2B5EF4-FFF2-40B4-BE49-F238E27FC236}">
-                <a16:creationId xmlns:a16="http://schemas.microsoft.com/office/drawing/2014/main" xmlns="" id="{E8DF8F64-FACD-4847-BB7E-4C0E15556C2A}"/>
-              </a:ext>
-            </a:extLst>
-          </p:cNvPr>
-          <p:cNvPicPr>
-            <a:picLocks noChangeAspect="1"/>
-          </p:cNvPicPr>
-          <p:nvPr/>
-        </p:nvPicPr>
-        <p:blipFill rotWithShape="1">
-          <a:blip r:embed="rId2" cstate="screen">
-            <a:extLst>
-              <a:ext uri="{28A0092B-C50C-407E-A947-70E740481C1C}">
-                <a14:useLocalDpi xmlns:a14="http://schemas.microsoft.com/office/drawing/2010/main" val="0"/>
-              </a:ext>
-            </a:extLst>
-          </a:blip>
-          <a:srcRect/>
-          <a:stretch/>
-        </p:blipFill>
-        <p:spPr>
-          <a:xfrm>
-            <a:off x="6096000" y="0"/>
-            <a:ext cx="6096000" cy="6858000"/>
-          </a:xfrm>
-          <a:prstGeom prst="rect">
-            <a:avLst/>
-          </a:prstGeom>
-        </p:spPr>
-      </p:pic>
-      <p:grpSp>
-        <p:nvGrpSpPr>
-          <p:cNvPr id="6" name="그룹 5">
-            <a:extLst>
-              <a:ext uri="{FF2B5EF4-FFF2-40B4-BE49-F238E27FC236}">
-                <a16:creationId xmlns:a16="http://schemas.microsoft.com/office/drawing/2014/main" xmlns="" id="{245DB8B0-BCF9-4A29-9197-7A48AFB9D1DC}"/>
-              </a:ext>
-            </a:extLst>
-          </p:cNvPr>
-          <p:cNvGrpSpPr/>
-          <p:nvPr/>
-        </p:nvGrpSpPr>
-        <p:grpSpPr>
-          <a:xfrm>
-            <a:off x="901700" y="2721114"/>
-            <a:ext cx="2646878" cy="1415772"/>
-            <a:chOff x="901700" y="2721114"/>
-            <a:chExt cx="2646878" cy="1415772"/>
-          </a:xfrm>
-        </p:grpSpPr>
-        <p:sp>
-          <p:nvSpPr>
-            <p:cNvPr id="2" name="TextBox 1">
-              <a:extLst>
-                <a:ext uri="{FF2B5EF4-FFF2-40B4-BE49-F238E27FC236}">
-                  <a16:creationId xmlns:a16="http://schemas.microsoft.com/office/drawing/2014/main" xmlns="" id="{12F75DDD-8FAC-423E-87FB-5D62741FF7B1}"/>
-                </a:ext>
-              </a:extLst>
-            </p:cNvPr>
-            <p:cNvSpPr txBox="1"/>
-            <p:nvPr/>
-          </p:nvSpPr>
-          <p:spPr>
-            <a:xfrm>
-              <a:off x="901700" y="2721114"/>
-              <a:ext cx="1877437" cy="769441"/>
-            </a:xfrm>
-            <a:prstGeom prst="rect">
-              <a:avLst/>
-            </a:prstGeom>
-            <a:noFill/>
-          </p:spPr>
-          <p:txBody>
-            <a:bodyPr wrap="none" rtlCol="0">
-              <a:spAutoFit/>
-            </a:bodyPr>
-            <a:lstStyle/>
-            <a:p>
-              <a:r>
-                <a:rPr lang="ko-KR" altLang="en-US" sz="4400" dirty="0" smtClean="0">
-                  <a:latin typeface="+mj-lt"/>
-                </a:rPr>
-                <a:t>이재현</a:t>
-              </a:r>
-              <a:endParaRPr lang="ko-KR" altLang="en-US" sz="4400" dirty="0">
-                <a:latin typeface="+mj-lt"/>
-              </a:endParaRPr>
-            </a:p>
-          </p:txBody>
-        </p:sp>
-        <p:sp>
-          <p:nvSpPr>
-            <p:cNvPr id="4" name="TextBox 3">
-              <a:extLst>
-                <a:ext uri="{FF2B5EF4-FFF2-40B4-BE49-F238E27FC236}">
-                  <a16:creationId xmlns:a16="http://schemas.microsoft.com/office/drawing/2014/main" xmlns="" id="{988839C2-BAAB-4531-A42C-39A13C09E321}"/>
-                </a:ext>
-              </a:extLst>
-            </p:cNvPr>
-            <p:cNvSpPr txBox="1"/>
-            <p:nvPr/>
-          </p:nvSpPr>
-          <p:spPr>
-            <a:xfrm>
-              <a:off x="901700" y="3490555"/>
-              <a:ext cx="2646878" cy="646331"/>
-            </a:xfrm>
-            <a:prstGeom prst="rect">
-              <a:avLst/>
-            </a:prstGeom>
-            <a:noFill/>
-          </p:spPr>
-          <p:txBody>
-            <a:bodyPr wrap="none" rtlCol="0">
-              <a:spAutoFit/>
-            </a:bodyPr>
-            <a:lstStyle/>
-            <a:p>
-              <a:r>
-                <a:rPr lang="en-US" altLang="ko-KR" sz="3600" spc="-300" dirty="0" smtClean="0"/>
-                <a:t>“</a:t>
-              </a:r>
-              <a:r>
-                <a:rPr lang="ko-KR" altLang="en-US" sz="3600" spc="-300" dirty="0" err="1" smtClean="0"/>
-                <a:t>이번주</a:t>
-              </a:r>
-              <a:r>
-                <a:rPr lang="ko-KR" altLang="en-US" sz="3600" spc="-300" dirty="0" smtClean="0"/>
-                <a:t> 작업</a:t>
-              </a:r>
-              <a:r>
-                <a:rPr lang="en-US" altLang="ko-KR" sz="3600" spc="-300" dirty="0" smtClean="0"/>
-                <a:t>”</a:t>
-              </a:r>
-              <a:endParaRPr lang="ko-KR" altLang="en-US" sz="3600" spc="-300" dirty="0"/>
-            </a:p>
-          </p:txBody>
-        </p:sp>
-      </p:grpSp>
-    </p:spTree>
-    <p:extLst>
-      <p:ext uri="{BB962C8B-B14F-4D97-AF65-F5344CB8AC3E}">
-        <p14:creationId xmlns:p14="http://schemas.microsoft.com/office/powerpoint/2010/main" val="1176925436"/>
-      </p:ext>
-    </p:extLst>
-  </p:cSld>
-  <p:clrMapOvr>
-    <a:masterClrMapping/>
-  </p:clrMapOvr>
-  <mc:AlternateContent xmlns:mc="http://schemas.openxmlformats.org/markup-compatibility/2006" xmlns:p14="http://schemas.microsoft.com/office/powerpoint/2010/main">
-    <mc:Choice Requires="p14">
-      <p:transition spd="med" p14:dur="700">
-        <p:fade/>
-      </p:transition>
-    </mc:Choice>
-    <mc:Fallback xmlns="">
-      <p:transition spd="med">
-        <p:fade/>
-      </p:transition>
-    </mc:Fallback>
-  </mc:AlternateContent>
-</p:sld>
-</file>
-
-<file path=ppt/slides/slide6.xml><?xml version="1.0" encoding="utf-8"?>
-<p:sld xmlns:a="http://schemas.openxmlformats.org/drawingml/2006/main" xmlns:r="http://schemas.openxmlformats.org/officeDocument/2006/relationships" xmlns:p="http://schemas.openxmlformats.org/presentationml/2006/main">
-  <p:cSld>
-    <p:spTree>
-      <p:nvGrpSpPr>
-        <p:cNvPr id="1" name=""/>
-        <p:cNvGrpSpPr/>
-        <p:nvPr/>
-      </p:nvGrpSpPr>
-      <p:grpSpPr>
-        <a:xfrm>
-          <a:off x="0" y="0"/>
-          <a:ext cx="0" cy="0"/>
-          <a:chOff x="0" y="0"/>
-          <a:chExt cx="0" cy="0"/>
-        </a:xfrm>
-      </p:grpSpPr>
-      <p:cxnSp>
-        <p:nvCxnSpPr>
-          <p:cNvPr id="3" name="직선 연결선 2">
-            <a:extLst>
-              <a:ext uri="{FF2B5EF4-FFF2-40B4-BE49-F238E27FC236}">
-                <a16:creationId xmlns:a16="http://schemas.microsoft.com/office/drawing/2014/main" xmlns="" id="{30B7886A-E2C2-47A8-A271-1FD08F52EED0}"/>
-              </a:ext>
-            </a:extLst>
-          </p:cNvPr>
-          <p:cNvCxnSpPr>
-            <a:cxnSpLocks/>
-          </p:cNvCxnSpPr>
-          <p:nvPr/>
-        </p:nvCxnSpPr>
-        <p:spPr>
-          <a:xfrm>
-            <a:off x="152400" y="190500"/>
-            <a:ext cx="1435100" cy="0"/>
-          </a:xfrm>
-          <a:prstGeom prst="line">
-            <a:avLst/>
-          </a:prstGeom>
-          <a:ln w="76200">
-            <a:solidFill>
-              <a:schemeClr val="accent4"/>
-            </a:solidFill>
-          </a:ln>
-        </p:spPr>
-        <p:style>
-          <a:lnRef idx="1">
-            <a:schemeClr val="accent1"/>
-          </a:lnRef>
-          <a:fillRef idx="0">
-            <a:schemeClr val="accent1"/>
-          </a:fillRef>
-          <a:effectRef idx="0">
-            <a:schemeClr val="accent1"/>
-          </a:effectRef>
-          <a:fontRef idx="minor">
-            <a:schemeClr val="tx1"/>
-          </a:fontRef>
-        </p:style>
-      </p:cxnSp>
-      <p:cxnSp>
-        <p:nvCxnSpPr>
-          <p:cNvPr id="18" name="직선 연결선 17">
-            <a:extLst>
-              <a:ext uri="{FF2B5EF4-FFF2-40B4-BE49-F238E27FC236}">
-                <a16:creationId xmlns:a16="http://schemas.microsoft.com/office/drawing/2014/main" xmlns="" id="{7911BDFD-7E29-44F7-9ED7-E8F36B51436C}"/>
-              </a:ext>
-            </a:extLst>
-          </p:cNvPr>
-          <p:cNvCxnSpPr/>
-          <p:nvPr/>
-        </p:nvCxnSpPr>
-        <p:spPr>
-          <a:xfrm>
-            <a:off x="1587500" y="190500"/>
-            <a:ext cx="10604500" cy="0"/>
-          </a:xfrm>
-          <a:prstGeom prst="line">
-            <a:avLst/>
-          </a:prstGeom>
-        </p:spPr>
-        <p:style>
-          <a:lnRef idx="1">
-            <a:schemeClr val="accent1"/>
-          </a:lnRef>
-          <a:fillRef idx="0">
-            <a:schemeClr val="accent1"/>
-          </a:fillRef>
-          <a:effectRef idx="0">
-            <a:schemeClr val="accent1"/>
-          </a:effectRef>
-          <a:fontRef idx="minor">
-            <a:schemeClr val="tx1"/>
-          </a:fontRef>
-        </p:style>
-      </p:cxnSp>
-      <p:sp>
-        <p:nvSpPr>
-          <p:cNvPr id="8" name="TextBox 7">
-            <a:extLst>
-              <a:ext uri="{FF2B5EF4-FFF2-40B4-BE49-F238E27FC236}">
-                <a16:creationId xmlns:a16="http://schemas.microsoft.com/office/drawing/2014/main" xmlns="" id="{3C4D8878-800F-4A94-9AEE-55D2DF32C42C}"/>
-              </a:ext>
-            </a:extLst>
-          </p:cNvPr>
-          <p:cNvSpPr txBox="1"/>
-          <p:nvPr/>
-        </p:nvSpPr>
-        <p:spPr>
-          <a:xfrm>
-            <a:off x="1234583" y="5432394"/>
-            <a:ext cx="8158003" cy="523220"/>
-          </a:xfrm>
-          <a:prstGeom prst="rect">
-            <a:avLst/>
-          </a:prstGeom>
-          <a:noFill/>
-        </p:spPr>
-        <p:txBody>
-          <a:bodyPr wrap="none" rtlCol="0">
-            <a:spAutoFit/>
-          </a:bodyPr>
-          <a:lstStyle/>
-          <a:p>
-            <a:r>
-              <a:rPr lang="ko-KR" altLang="en-US" sz="2800" dirty="0" smtClean="0">
-                <a:solidFill>
-                  <a:schemeClr val="accent4"/>
-                </a:solidFill>
-              </a:rPr>
-              <a:t>인공지능 인식에 적합하게 배경을 지우는 작업 진행</a:t>
-            </a:r>
-            <a:endParaRPr lang="en-US" altLang="ko-KR" sz="2800" dirty="0" smtClean="0">
-              <a:solidFill>
-                <a:schemeClr val="accent4"/>
-              </a:solidFill>
-            </a:endParaRPr>
-          </a:p>
-        </p:txBody>
-      </p:sp>
-      <p:pic>
-        <p:nvPicPr>
-          <p:cNvPr id="3075" name="Picture 3" descr="C:\Users\user\Desktop\1.2.GIF"/>
-          <p:cNvPicPr>
-            <a:picLocks noChangeAspect="1" noChangeArrowheads="1"/>
-          </p:cNvPicPr>
-          <p:nvPr/>
-        </p:nvPicPr>
-        <p:blipFill>
-          <a:blip r:embed="rId2" cstate="screen">
-            <a:extLst>
-              <a:ext uri="{28A0092B-C50C-407E-A947-70E740481C1C}">
-                <a14:useLocalDpi xmlns:a14="http://schemas.microsoft.com/office/drawing/2010/main" val="0"/>
-              </a:ext>
-            </a:extLst>
-          </a:blip>
-          <a:srcRect/>
-          <a:stretch>
-            <a:fillRect/>
-          </a:stretch>
-        </p:blipFill>
-        <p:spPr bwMode="auto">
-          <a:xfrm>
-            <a:off x="1371600" y="457199"/>
-            <a:ext cx="9048750" cy="4651375"/>
-          </a:xfrm>
-          <a:prstGeom prst="rect">
-            <a:avLst/>
-          </a:prstGeom>
-          <a:noFill/>
-          <a:extLst>
-            <a:ext uri="{909E8E84-426E-40DD-AFC4-6F175D3DCCD1}">
-              <a14:hiddenFill xmlns:a14="http://schemas.microsoft.com/office/drawing/2010/main">
-                <a:solidFill>
-                  <a:srgbClr val="FFFFFF"/>
-                </a:solidFill>
-              </a14:hiddenFill>
-            </a:ext>
-          </a:extLst>
-        </p:spPr>
-      </p:pic>
-    </p:spTree>
-    <p:extLst>
-      <p:ext uri="{BB962C8B-B14F-4D97-AF65-F5344CB8AC3E}">
-        <p14:creationId xmlns:p14="http://schemas.microsoft.com/office/powerpoint/2010/main" val="3884006882"/>
-      </p:ext>
-    </p:extLst>
-  </p:cSld>
-  <p:clrMapOvr>
-    <a:masterClrMapping/>
-  </p:clrMapOvr>
-  <mc:AlternateContent xmlns:mc="http://schemas.openxmlformats.org/markup-compatibility/2006" xmlns:p14="http://schemas.microsoft.com/office/powerpoint/2010/main">
-    <mc:Choice Requires="p14">
-      <p:transition spd="med" p14:dur="700">
-        <p:fade/>
-      </p:transition>
-    </mc:Choice>
-    <mc:Fallback xmlns="">
-      <p:transition spd="med">
-        <p:fade/>
-      </p:transition>
-    </mc:Fallback>
-  </mc:AlternateContent>
-</p:sld>
-</file>
-
-<file path=ppt/slides/slide7.xml><?xml version="1.0" encoding="utf-8"?>
-<p:sld xmlns:a="http://schemas.openxmlformats.org/drawingml/2006/main" xmlns:r="http://schemas.openxmlformats.org/officeDocument/2006/relationships" xmlns:p="http://schemas.openxmlformats.org/presentationml/2006/main">
-  <p:cSld>
-    <p:spTree>
-      <p:nvGrpSpPr>
-        <p:cNvPr id="1" name=""/>
-        <p:cNvGrpSpPr/>
-        <p:nvPr/>
-      </p:nvGrpSpPr>
-      <p:grpSpPr>
-        <a:xfrm>
-          <a:off x="0" y="0"/>
-          <a:ext cx="0" cy="0"/>
-          <a:chOff x="0" y="0"/>
-          <a:chExt cx="0" cy="0"/>
-        </a:xfrm>
-      </p:grpSpPr>
-      <p:cxnSp>
-        <p:nvCxnSpPr>
-          <p:cNvPr id="3" name="직선 연결선 2">
-            <a:extLst>
-              <a:ext uri="{FF2B5EF4-FFF2-40B4-BE49-F238E27FC236}">
-                <a16:creationId xmlns:a16="http://schemas.microsoft.com/office/drawing/2014/main" xmlns="" id="{30B7886A-E2C2-47A8-A271-1FD08F52EED0}"/>
-              </a:ext>
-            </a:extLst>
-          </p:cNvPr>
-          <p:cNvCxnSpPr>
-            <a:cxnSpLocks/>
-          </p:cNvCxnSpPr>
-          <p:nvPr/>
-        </p:nvCxnSpPr>
-        <p:spPr>
-          <a:xfrm>
-            <a:off x="152400" y="190500"/>
-            <a:ext cx="1435100" cy="0"/>
-          </a:xfrm>
-          <a:prstGeom prst="line">
-            <a:avLst/>
-          </a:prstGeom>
-          <a:ln w="76200">
-            <a:solidFill>
-              <a:schemeClr val="accent4"/>
-            </a:solidFill>
-          </a:ln>
-        </p:spPr>
-        <p:style>
-          <a:lnRef idx="1">
-            <a:schemeClr val="accent1"/>
-          </a:lnRef>
-          <a:fillRef idx="0">
-            <a:schemeClr val="accent1"/>
-          </a:fillRef>
-          <a:effectRef idx="0">
-            <a:schemeClr val="accent1"/>
-          </a:effectRef>
-          <a:fontRef idx="minor">
-            <a:schemeClr val="tx1"/>
-          </a:fontRef>
-        </p:style>
-      </p:cxnSp>
-      <p:sp>
-        <p:nvSpPr>
-          <p:cNvPr id="5" name="TextBox 4">
-            <a:extLst>
-              <a:ext uri="{FF2B5EF4-FFF2-40B4-BE49-F238E27FC236}">
-                <a16:creationId xmlns:a16="http://schemas.microsoft.com/office/drawing/2014/main" xmlns="" id="{B0BF8F17-9E56-462D-B8ED-980C1047873B}"/>
-              </a:ext>
-            </a:extLst>
-          </p:cNvPr>
-          <p:cNvSpPr txBox="1"/>
-          <p:nvPr/>
-        </p:nvSpPr>
-        <p:spPr>
-          <a:xfrm>
-            <a:off x="1676400" y="330200"/>
-            <a:ext cx="3892412" cy="769441"/>
-          </a:xfrm>
-          <a:prstGeom prst="rect">
-            <a:avLst/>
-          </a:prstGeom>
-          <a:noFill/>
-        </p:spPr>
-        <p:txBody>
-          <a:bodyPr wrap="none" rtlCol="0">
-            <a:spAutoFit/>
-          </a:bodyPr>
-          <a:lstStyle/>
-          <a:p>
-            <a:r>
-              <a:rPr lang="ko-KR" altLang="en-US" sz="4400" spc="-300" dirty="0">
-                <a:solidFill>
-                  <a:schemeClr val="accent4"/>
-                </a:solidFill>
-              </a:rPr>
-              <a:t>제목을 입력하세요</a:t>
-            </a:r>
-          </a:p>
-        </p:txBody>
-      </p:sp>
-      <p:sp>
-        <p:nvSpPr>
-          <p:cNvPr id="6" name="TextBox 5">
-            <a:extLst>
-              <a:ext uri="{FF2B5EF4-FFF2-40B4-BE49-F238E27FC236}">
-                <a16:creationId xmlns:a16="http://schemas.microsoft.com/office/drawing/2014/main" xmlns="" id="{3C4D8878-800F-4A94-9AEE-55D2DF32C42C}"/>
-              </a:ext>
-            </a:extLst>
-          </p:cNvPr>
-          <p:cNvSpPr txBox="1"/>
-          <p:nvPr/>
-        </p:nvSpPr>
-        <p:spPr>
-          <a:xfrm>
-            <a:off x="583709" y="345588"/>
-            <a:ext cx="877163" cy="369332"/>
-          </a:xfrm>
-          <a:prstGeom prst="rect">
-            <a:avLst/>
-          </a:prstGeom>
-          <a:noFill/>
-        </p:spPr>
-        <p:txBody>
-          <a:bodyPr wrap="none" rtlCol="0">
-            <a:spAutoFit/>
-          </a:bodyPr>
-          <a:lstStyle/>
-          <a:p>
-            <a:r>
-              <a:rPr lang="ko-KR" altLang="en-US" dirty="0" err="1">
-                <a:solidFill>
-                  <a:schemeClr val="accent4"/>
-                </a:solidFill>
-              </a:rPr>
-              <a:t>황세동</a:t>
-            </a:r>
-            <a:endParaRPr lang="ko-KR" altLang="en-US" dirty="0">
-              <a:solidFill>
-                <a:schemeClr val="accent4"/>
-              </a:solidFill>
-            </a:endParaRPr>
-          </a:p>
-        </p:txBody>
-      </p:sp>
-      <p:sp>
-        <p:nvSpPr>
-          <p:cNvPr id="8" name="타원 7">
-            <a:extLst>
-              <a:ext uri="{FF2B5EF4-FFF2-40B4-BE49-F238E27FC236}">
-                <a16:creationId xmlns:a16="http://schemas.microsoft.com/office/drawing/2014/main" xmlns="" id="{7C6E40B1-E3DC-44B4-A264-AFC6B2D74513}"/>
-              </a:ext>
-            </a:extLst>
-          </p:cNvPr>
-          <p:cNvSpPr/>
-          <p:nvPr/>
-        </p:nvSpPr>
-        <p:spPr>
-          <a:xfrm>
-            <a:off x="781050" y="1930400"/>
-            <a:ext cx="3162298" cy="3162298"/>
-          </a:xfrm>
-          <a:prstGeom prst="ellipse">
-            <a:avLst/>
-          </a:prstGeom>
-          <a:solidFill>
-            <a:schemeClr val="accent4"/>
-          </a:solidFill>
-          <a:ln>
-            <a:noFill/>
-          </a:ln>
-        </p:spPr>
-        <p:style>
-          <a:lnRef idx="2">
-            <a:schemeClr val="accent1">
-              <a:shade val="50000"/>
-            </a:schemeClr>
-          </a:lnRef>
-          <a:fillRef idx="1">
-            <a:schemeClr val="accent1"/>
-          </a:fillRef>
-          <a:effectRef idx="0">
-            <a:schemeClr val="accent1"/>
-          </a:effectRef>
-          <a:fontRef idx="minor">
-            <a:schemeClr val="lt1"/>
-          </a:fontRef>
-        </p:style>
-        <p:txBody>
-          <a:bodyPr rtlCol="0" anchor="ctr"/>
-          <a:lstStyle/>
-          <a:p>
-            <a:pPr algn="ctr"/>
-            <a:endParaRPr lang="ko-KR" altLang="en-US"/>
-          </a:p>
-        </p:txBody>
-      </p:sp>
-      <p:sp>
-        <p:nvSpPr>
-          <p:cNvPr id="9" name="TextBox 8">
-            <a:extLst>
-              <a:ext uri="{FF2B5EF4-FFF2-40B4-BE49-F238E27FC236}">
-                <a16:creationId xmlns:a16="http://schemas.microsoft.com/office/drawing/2014/main" xmlns="" id="{6731E688-3A09-49DB-BB43-A67F3F6087F4}"/>
-              </a:ext>
-            </a:extLst>
-          </p:cNvPr>
-          <p:cNvSpPr txBox="1"/>
-          <p:nvPr/>
-        </p:nvSpPr>
-        <p:spPr>
-          <a:xfrm>
-            <a:off x="1336117" y="5400524"/>
-            <a:ext cx="2052164" cy="461665"/>
-          </a:xfrm>
-          <a:prstGeom prst="rect">
-            <a:avLst/>
-          </a:prstGeom>
-          <a:noFill/>
-        </p:spPr>
-        <p:txBody>
-          <a:bodyPr wrap="none" rtlCol="0">
-            <a:spAutoFit/>
-          </a:bodyPr>
-          <a:lstStyle/>
-          <a:p>
-            <a:pPr algn="ctr"/>
-            <a:r>
-              <a:rPr lang="ko-KR" altLang="en-US" sz="2400" spc="-300" dirty="0"/>
-              <a:t>제목을 입력하세요</a:t>
-            </a:r>
-          </a:p>
-        </p:txBody>
-      </p:sp>
-      <p:sp>
-        <p:nvSpPr>
-          <p:cNvPr id="12" name="타원 11">
-            <a:extLst>
-              <a:ext uri="{FF2B5EF4-FFF2-40B4-BE49-F238E27FC236}">
-                <a16:creationId xmlns:a16="http://schemas.microsoft.com/office/drawing/2014/main" xmlns="" id="{55E440D8-5A59-4290-8071-FA26D45A9993}"/>
-              </a:ext>
-            </a:extLst>
-          </p:cNvPr>
-          <p:cNvSpPr/>
-          <p:nvPr/>
-        </p:nvSpPr>
-        <p:spPr>
-          <a:xfrm>
-            <a:off x="4527550" y="1930400"/>
-            <a:ext cx="3162298" cy="3162298"/>
-          </a:xfrm>
-          <a:prstGeom prst="ellipse">
-            <a:avLst/>
-          </a:prstGeom>
-          <a:solidFill>
-            <a:schemeClr val="accent4"/>
-          </a:solidFill>
-          <a:ln>
-            <a:noFill/>
-          </a:ln>
-        </p:spPr>
-        <p:style>
-          <a:lnRef idx="2">
-            <a:schemeClr val="accent1">
-              <a:shade val="50000"/>
-            </a:schemeClr>
-          </a:lnRef>
-          <a:fillRef idx="1">
-            <a:schemeClr val="accent1"/>
-          </a:fillRef>
-          <a:effectRef idx="0">
-            <a:schemeClr val="accent1"/>
-          </a:effectRef>
-          <a:fontRef idx="minor">
-            <a:schemeClr val="lt1"/>
-          </a:fontRef>
-        </p:style>
-        <p:txBody>
-          <a:bodyPr rtlCol="0" anchor="ctr"/>
-          <a:lstStyle/>
-          <a:p>
-            <a:pPr algn="ctr"/>
-            <a:endParaRPr lang="ko-KR" altLang="en-US"/>
-          </a:p>
-        </p:txBody>
-      </p:sp>
-      <p:sp>
-        <p:nvSpPr>
-          <p:cNvPr id="13" name="TextBox 12">
-            <a:extLst>
-              <a:ext uri="{FF2B5EF4-FFF2-40B4-BE49-F238E27FC236}">
-                <a16:creationId xmlns:a16="http://schemas.microsoft.com/office/drawing/2014/main" xmlns="" id="{20FAFB7D-D274-4221-896D-60BE821F8074}"/>
-              </a:ext>
-            </a:extLst>
-          </p:cNvPr>
-          <p:cNvSpPr txBox="1"/>
-          <p:nvPr/>
-        </p:nvSpPr>
-        <p:spPr>
-          <a:xfrm>
-            <a:off x="5082617" y="5400524"/>
-            <a:ext cx="2052164" cy="461665"/>
-          </a:xfrm>
-          <a:prstGeom prst="rect">
-            <a:avLst/>
-          </a:prstGeom>
-          <a:noFill/>
-        </p:spPr>
-        <p:txBody>
-          <a:bodyPr wrap="none" rtlCol="0">
-            <a:spAutoFit/>
-          </a:bodyPr>
-          <a:lstStyle/>
-          <a:p>
-            <a:pPr algn="ctr"/>
-            <a:r>
-              <a:rPr lang="ko-KR" altLang="en-US" sz="2400" spc="-300" dirty="0"/>
-              <a:t>제목을 입력하세요</a:t>
-            </a:r>
-          </a:p>
-        </p:txBody>
-      </p:sp>
-      <p:sp>
-        <p:nvSpPr>
-          <p:cNvPr id="15" name="타원 14">
-            <a:extLst>
-              <a:ext uri="{FF2B5EF4-FFF2-40B4-BE49-F238E27FC236}">
-                <a16:creationId xmlns:a16="http://schemas.microsoft.com/office/drawing/2014/main" xmlns="" id="{88A5AA3C-7E1D-4850-A07F-C8883AF77CD6}"/>
-              </a:ext>
-            </a:extLst>
-          </p:cNvPr>
-          <p:cNvSpPr/>
-          <p:nvPr/>
-        </p:nvSpPr>
-        <p:spPr>
-          <a:xfrm>
-            <a:off x="8274050" y="1930400"/>
-            <a:ext cx="3162298" cy="3162298"/>
-          </a:xfrm>
-          <a:prstGeom prst="ellipse">
-            <a:avLst/>
-          </a:prstGeom>
-          <a:solidFill>
-            <a:schemeClr val="accent4"/>
-          </a:solidFill>
-          <a:ln>
-            <a:noFill/>
-          </a:ln>
-        </p:spPr>
-        <p:style>
-          <a:lnRef idx="2">
-            <a:schemeClr val="accent1">
-              <a:shade val="50000"/>
-            </a:schemeClr>
-          </a:lnRef>
-          <a:fillRef idx="1">
-            <a:schemeClr val="accent1"/>
-          </a:fillRef>
-          <a:effectRef idx="0">
-            <a:schemeClr val="accent1"/>
-          </a:effectRef>
-          <a:fontRef idx="minor">
-            <a:schemeClr val="lt1"/>
-          </a:fontRef>
-        </p:style>
-        <p:txBody>
-          <a:bodyPr rtlCol="0" anchor="ctr"/>
-          <a:lstStyle/>
-          <a:p>
-            <a:pPr algn="ctr"/>
-            <a:endParaRPr lang="ko-KR" altLang="en-US"/>
-          </a:p>
-        </p:txBody>
-      </p:sp>
-      <p:sp>
-        <p:nvSpPr>
-          <p:cNvPr id="16" name="TextBox 15">
-            <a:extLst>
-              <a:ext uri="{FF2B5EF4-FFF2-40B4-BE49-F238E27FC236}">
-                <a16:creationId xmlns:a16="http://schemas.microsoft.com/office/drawing/2014/main" xmlns="" id="{0B86D68D-1E53-4CD0-9430-3237F4E94341}"/>
-              </a:ext>
-            </a:extLst>
-          </p:cNvPr>
-          <p:cNvSpPr txBox="1"/>
-          <p:nvPr/>
-        </p:nvSpPr>
-        <p:spPr>
-          <a:xfrm>
-            <a:off x="8829117" y="5400524"/>
-            <a:ext cx="2052164" cy="461665"/>
-          </a:xfrm>
-          <a:prstGeom prst="rect">
-            <a:avLst/>
-          </a:prstGeom>
-          <a:noFill/>
-        </p:spPr>
-        <p:txBody>
-          <a:bodyPr wrap="none" rtlCol="0">
-            <a:spAutoFit/>
-          </a:bodyPr>
-          <a:lstStyle/>
-          <a:p>
-            <a:pPr algn="ctr"/>
-            <a:r>
-              <a:rPr lang="ko-KR" altLang="en-US" sz="2400" spc="-300" dirty="0"/>
-              <a:t>제목을 입력하세요</a:t>
-            </a:r>
-          </a:p>
-        </p:txBody>
-      </p:sp>
-      <p:cxnSp>
-        <p:nvCxnSpPr>
-          <p:cNvPr id="18" name="직선 연결선 17">
-            <a:extLst>
-              <a:ext uri="{FF2B5EF4-FFF2-40B4-BE49-F238E27FC236}">
-                <a16:creationId xmlns:a16="http://schemas.microsoft.com/office/drawing/2014/main" xmlns="" id="{7911BDFD-7E29-44F7-9ED7-E8F36B51436C}"/>
-              </a:ext>
-            </a:extLst>
-          </p:cNvPr>
-          <p:cNvCxnSpPr/>
-          <p:nvPr/>
-        </p:nvCxnSpPr>
-        <p:spPr>
-          <a:xfrm>
-            <a:off x="1587500" y="190500"/>
-            <a:ext cx="10604500" cy="0"/>
-          </a:xfrm>
-          <a:prstGeom prst="line">
-            <a:avLst/>
-          </a:prstGeom>
-        </p:spPr>
-        <p:style>
-          <a:lnRef idx="1">
-            <a:schemeClr val="accent1"/>
-          </a:lnRef>
-          <a:fillRef idx="0">
-            <a:schemeClr val="accent1"/>
-          </a:fillRef>
-          <a:effectRef idx="0">
-            <a:schemeClr val="accent1"/>
-          </a:effectRef>
-          <a:fontRef idx="minor">
-            <a:schemeClr val="tx1"/>
-          </a:fontRef>
-        </p:style>
-      </p:cxnSp>
-      <p:pic>
-        <p:nvPicPr>
-          <p:cNvPr id="4" name="그래픽 3" descr="휘갈겨 쓰다 단색으로 채워진">
-            <a:extLst>
-              <a:ext uri="{FF2B5EF4-FFF2-40B4-BE49-F238E27FC236}">
-                <a16:creationId xmlns:a16="http://schemas.microsoft.com/office/drawing/2014/main" xmlns="" id="{87D96005-A1BF-4617-8850-231169C30A75}"/>
-              </a:ext>
-            </a:extLst>
-          </p:cNvPr>
-          <p:cNvPicPr>
-            <a:picLocks noChangeAspect="1"/>
-          </p:cNvPicPr>
-          <p:nvPr/>
-        </p:nvPicPr>
-        <p:blipFill>
-          <a:blip r:embed="rId2" cstate="screen">
-            <a:extLst>
-              <a:ext uri="{28A0092B-C50C-407E-A947-70E740481C1C}">
-                <a14:useLocalDpi xmlns:a14="http://schemas.microsoft.com/office/drawing/2010/main" val="0"/>
-              </a:ext>
-              <a:ext uri="{96DAC541-7B7A-43D3-8B79-37D633B846F1}">
-                <asvg:svgBlip xmlns:asvg="http://schemas.microsoft.com/office/drawing/2016/SVG/main" xmlns="" r:embed="rId3"/>
-              </a:ext>
-            </a:extLst>
-          </a:blip>
-          <a:stretch>
-            <a:fillRect/>
-          </a:stretch>
-        </p:blipFill>
-        <p:spPr>
-          <a:xfrm>
-            <a:off x="1336117" y="2643663"/>
-            <a:ext cx="1918398" cy="1918398"/>
-          </a:xfrm>
-          <a:prstGeom prst="rect">
-            <a:avLst/>
-          </a:prstGeom>
-        </p:spPr>
-      </p:pic>
-      <p:pic>
-        <p:nvPicPr>
-          <p:cNvPr id="17" name="그래픽 16" descr="스마트폰 단색으로 채워진">
-            <a:extLst>
-              <a:ext uri="{FF2B5EF4-FFF2-40B4-BE49-F238E27FC236}">
-                <a16:creationId xmlns:a16="http://schemas.microsoft.com/office/drawing/2014/main" xmlns="" id="{FD459999-2154-4B06-945E-362F2618D115}"/>
-              </a:ext>
-            </a:extLst>
-          </p:cNvPr>
-          <p:cNvPicPr>
-            <a:picLocks noChangeAspect="1"/>
-          </p:cNvPicPr>
-          <p:nvPr/>
-        </p:nvPicPr>
-        <p:blipFill>
-          <a:blip r:embed="rId4" cstate="screen">
-            <a:extLst>
-              <a:ext uri="{28A0092B-C50C-407E-A947-70E740481C1C}">
-                <a14:useLocalDpi xmlns:a14="http://schemas.microsoft.com/office/drawing/2010/main" val="0"/>
-              </a:ext>
-              <a:ext uri="{96DAC541-7B7A-43D3-8B79-37D633B846F1}">
-                <asvg:svgBlip xmlns:asvg="http://schemas.microsoft.com/office/drawing/2016/SVG/main" xmlns="" r:embed="rId5"/>
-              </a:ext>
-            </a:extLst>
-          </a:blip>
-          <a:stretch>
-            <a:fillRect/>
-          </a:stretch>
-        </p:blipFill>
-        <p:spPr>
-          <a:xfrm>
-            <a:off x="4980332" y="2430117"/>
-            <a:ext cx="2231335" cy="2231335"/>
-          </a:xfrm>
-          <a:prstGeom prst="rect">
-            <a:avLst/>
-          </a:prstGeom>
-        </p:spPr>
-      </p:pic>
-      <p:pic>
-        <p:nvPicPr>
-          <p:cNvPr id="20" name="그래픽 19" descr="키보드 단색으로 채워진">
-            <a:extLst>
-              <a:ext uri="{FF2B5EF4-FFF2-40B4-BE49-F238E27FC236}">
-                <a16:creationId xmlns:a16="http://schemas.microsoft.com/office/drawing/2014/main" xmlns="" id="{E759F4B0-3D35-4BFF-9236-4031C84A62EB}"/>
-              </a:ext>
-            </a:extLst>
-          </p:cNvPr>
-          <p:cNvPicPr>
-            <a:picLocks noChangeAspect="1"/>
-          </p:cNvPicPr>
-          <p:nvPr/>
-        </p:nvPicPr>
-        <p:blipFill>
-          <a:blip r:embed="rId6" cstate="screen">
-            <a:extLst>
-              <a:ext uri="{28A0092B-C50C-407E-A947-70E740481C1C}">
-                <a14:useLocalDpi xmlns:a14="http://schemas.microsoft.com/office/drawing/2010/main" val="0"/>
-              </a:ext>
-              <a:ext uri="{96DAC541-7B7A-43D3-8B79-37D633B846F1}">
-                <asvg:svgBlip xmlns:asvg="http://schemas.microsoft.com/office/drawing/2016/SVG/main" xmlns="" r:embed="rId7"/>
-              </a:ext>
-            </a:extLst>
-          </a:blip>
-          <a:stretch>
-            <a:fillRect/>
-          </a:stretch>
-        </p:blipFill>
-        <p:spPr>
-          <a:xfrm>
-            <a:off x="8767344" y="2423694"/>
-            <a:ext cx="2175709" cy="2175709"/>
-          </a:xfrm>
-          <a:prstGeom prst="rect">
-            <a:avLst/>
-          </a:prstGeom>
-        </p:spPr>
-      </p:pic>
-    </p:spTree>
-    <p:extLst>
-      <p:ext uri="{BB962C8B-B14F-4D97-AF65-F5344CB8AC3E}">
-        <p14:creationId xmlns:p14="http://schemas.microsoft.com/office/powerpoint/2010/main" val="4288976108"/>
-      </p:ext>
-    </p:extLst>
-  </p:cSld>
-  <p:clrMapOvr>
-    <a:masterClrMapping/>
-  </p:clrMapOvr>
-  <mc:AlternateContent xmlns:mc="http://schemas.openxmlformats.org/markup-compatibility/2006" xmlns:p14="http://schemas.microsoft.com/office/powerpoint/2010/main">
-    <mc:Choice Requires="p14">
-      <p:transition spd="med" p14:dur="700">
-        <p:fade/>
-      </p:transition>
-    </mc:Choice>
-    <mc:Fallback xmlns="">
-      <p:transition spd="med">
-        <p:fade/>
-      </p:transition>
-    </mc:Fallback>
-  </mc:AlternateContent>
-</p:sld>
-</file>
-
-<file path=ppt/slides/slide8.xml><?xml version="1.0" encoding="utf-8"?>
-<p:sld xmlns:a="http://schemas.openxmlformats.org/drawingml/2006/main" xmlns:r="http://schemas.openxmlformats.org/officeDocument/2006/relationships" xmlns:p="http://schemas.openxmlformats.org/presentationml/2006/main">
-  <p:cSld>
-    <p:spTree>
-      <p:nvGrpSpPr>
-        <p:cNvPr id="1" name=""/>
-        <p:cNvGrpSpPr/>
-        <p:nvPr/>
-      </p:nvGrpSpPr>
-      <p:grpSpPr>
-        <a:xfrm>
-          <a:off x="0" y="0"/>
-          <a:ext cx="0" cy="0"/>
-          <a:chOff x="0" y="0"/>
-          <a:chExt cx="0" cy="0"/>
-        </a:xfrm>
-      </p:grpSpPr>
-      <p:cxnSp>
-        <p:nvCxnSpPr>
-          <p:cNvPr id="3" name="직선 연결선 2">
-            <a:extLst>
-              <a:ext uri="{FF2B5EF4-FFF2-40B4-BE49-F238E27FC236}">
-                <a16:creationId xmlns:a16="http://schemas.microsoft.com/office/drawing/2014/main" xmlns="" id="{30B7886A-E2C2-47A8-A271-1FD08F52EED0}"/>
-              </a:ext>
-            </a:extLst>
-          </p:cNvPr>
-          <p:cNvCxnSpPr>
-            <a:cxnSpLocks/>
-          </p:cNvCxnSpPr>
-          <p:nvPr/>
-        </p:nvCxnSpPr>
-        <p:spPr>
-          <a:xfrm>
-            <a:off x="152400" y="190500"/>
-            <a:ext cx="1435100" cy="0"/>
-          </a:xfrm>
-          <a:prstGeom prst="line">
-            <a:avLst/>
-          </a:prstGeom>
-          <a:ln w="76200">
-            <a:solidFill>
-              <a:schemeClr val="accent4"/>
-            </a:solidFill>
-          </a:ln>
-        </p:spPr>
-        <p:style>
-          <a:lnRef idx="1">
-            <a:schemeClr val="accent1"/>
-          </a:lnRef>
-          <a:fillRef idx="0">
-            <a:schemeClr val="accent1"/>
-          </a:fillRef>
-          <a:effectRef idx="0">
-            <a:schemeClr val="accent1"/>
-          </a:effectRef>
-          <a:fontRef idx="minor">
-            <a:schemeClr val="tx1"/>
-          </a:fontRef>
-        </p:style>
-      </p:cxnSp>
-      <p:sp>
-        <p:nvSpPr>
-          <p:cNvPr id="5" name="TextBox 4">
-            <a:extLst>
-              <a:ext uri="{FF2B5EF4-FFF2-40B4-BE49-F238E27FC236}">
-                <a16:creationId xmlns:a16="http://schemas.microsoft.com/office/drawing/2014/main" xmlns="" id="{B0BF8F17-9E56-462D-B8ED-980C1047873B}"/>
-              </a:ext>
-            </a:extLst>
-          </p:cNvPr>
-          <p:cNvSpPr txBox="1"/>
-          <p:nvPr/>
-        </p:nvSpPr>
-        <p:spPr>
-          <a:xfrm>
-            <a:off x="1676400" y="330200"/>
-            <a:ext cx="3892412" cy="769441"/>
-          </a:xfrm>
-          <a:prstGeom prst="rect">
-            <a:avLst/>
-          </a:prstGeom>
-          <a:noFill/>
-        </p:spPr>
-        <p:txBody>
-          <a:bodyPr wrap="none" rtlCol="0">
-            <a:spAutoFit/>
-          </a:bodyPr>
-          <a:lstStyle/>
-          <a:p>
-            <a:r>
-              <a:rPr lang="ko-KR" altLang="en-US" sz="4400" spc="-300" dirty="0">
-                <a:solidFill>
-                  <a:schemeClr val="accent4"/>
-                </a:solidFill>
-              </a:rPr>
-              <a:t>제목을 입력하세요</a:t>
-            </a:r>
-          </a:p>
-        </p:txBody>
-      </p:sp>
-      <p:sp>
-        <p:nvSpPr>
-          <p:cNvPr id="6" name="TextBox 5">
-            <a:extLst>
-              <a:ext uri="{FF2B5EF4-FFF2-40B4-BE49-F238E27FC236}">
-                <a16:creationId xmlns:a16="http://schemas.microsoft.com/office/drawing/2014/main" xmlns="" id="{3C4D8878-800F-4A94-9AEE-55D2DF32C42C}"/>
-              </a:ext>
-            </a:extLst>
-          </p:cNvPr>
-          <p:cNvSpPr txBox="1"/>
-          <p:nvPr/>
-        </p:nvSpPr>
-        <p:spPr>
-          <a:xfrm>
-            <a:off x="583709" y="345588"/>
-            <a:ext cx="877163" cy="369332"/>
-          </a:xfrm>
-          <a:prstGeom prst="rect">
-            <a:avLst/>
-          </a:prstGeom>
-          <a:noFill/>
-        </p:spPr>
-        <p:txBody>
-          <a:bodyPr wrap="none" rtlCol="0">
-            <a:spAutoFit/>
-          </a:bodyPr>
-          <a:lstStyle/>
-          <a:p>
-            <a:r>
-              <a:rPr lang="ko-KR" altLang="en-US" dirty="0" err="1">
-                <a:solidFill>
-                  <a:schemeClr val="accent4"/>
-                </a:solidFill>
-              </a:rPr>
-              <a:t>황세동</a:t>
-            </a:r>
-            <a:endParaRPr lang="ko-KR" altLang="en-US" dirty="0">
-              <a:solidFill>
-                <a:schemeClr val="accent4"/>
-              </a:solidFill>
-            </a:endParaRPr>
-          </a:p>
-        </p:txBody>
-      </p:sp>
-      <p:cxnSp>
-        <p:nvCxnSpPr>
-          <p:cNvPr id="18" name="직선 연결선 17">
-            <a:extLst>
-              <a:ext uri="{FF2B5EF4-FFF2-40B4-BE49-F238E27FC236}">
-                <a16:creationId xmlns:a16="http://schemas.microsoft.com/office/drawing/2014/main" xmlns="" id="{7911BDFD-7E29-44F7-9ED7-E8F36B51436C}"/>
-              </a:ext>
-            </a:extLst>
-          </p:cNvPr>
-          <p:cNvCxnSpPr/>
-          <p:nvPr/>
-        </p:nvCxnSpPr>
-        <p:spPr>
-          <a:xfrm>
-            <a:off x="1587500" y="190500"/>
-            <a:ext cx="10604500" cy="0"/>
-          </a:xfrm>
-          <a:prstGeom prst="line">
-            <a:avLst/>
-          </a:prstGeom>
-        </p:spPr>
-        <p:style>
-          <a:lnRef idx="1">
-            <a:schemeClr val="accent1"/>
-          </a:lnRef>
-          <a:fillRef idx="0">
-            <a:schemeClr val="accent1"/>
-          </a:fillRef>
-          <a:effectRef idx="0">
-            <a:schemeClr val="accent1"/>
-          </a:effectRef>
-          <a:fontRef idx="minor">
-            <a:schemeClr val="tx1"/>
-          </a:fontRef>
-        </p:style>
-      </p:cxnSp>
-      <p:sp>
-        <p:nvSpPr>
-          <p:cNvPr id="17" name="직사각형 16">
-            <a:extLst>
-              <a:ext uri="{FF2B5EF4-FFF2-40B4-BE49-F238E27FC236}">
-                <a16:creationId xmlns:a16="http://schemas.microsoft.com/office/drawing/2014/main" xmlns="" id="{A7399932-852C-4FC0-818C-8BF64A587819}"/>
-              </a:ext>
-            </a:extLst>
-          </p:cNvPr>
-          <p:cNvSpPr/>
-          <p:nvPr/>
-        </p:nvSpPr>
-        <p:spPr>
-          <a:xfrm>
-            <a:off x="1278428" y="2047946"/>
-            <a:ext cx="1168400" cy="1044000"/>
-          </a:xfrm>
-          <a:prstGeom prst="rect">
-            <a:avLst/>
-          </a:prstGeom>
-          <a:solidFill>
-            <a:schemeClr val="accent1"/>
-          </a:solidFill>
-          <a:ln>
-            <a:noFill/>
-          </a:ln>
-        </p:spPr>
-        <p:style>
-          <a:lnRef idx="2">
-            <a:schemeClr val="accent1">
-              <a:shade val="50000"/>
-            </a:schemeClr>
-          </a:lnRef>
-          <a:fillRef idx="1">
-            <a:schemeClr val="accent1"/>
-          </a:fillRef>
-          <a:effectRef idx="0">
-            <a:schemeClr val="accent1"/>
-          </a:effectRef>
-          <a:fontRef idx="minor">
-            <a:schemeClr val="lt1"/>
-          </a:fontRef>
-        </p:style>
-        <p:txBody>
-          <a:bodyPr rtlCol="0" anchor="ctr"/>
-          <a:lstStyle/>
-          <a:p>
-            <a:pPr algn="ctr"/>
-            <a:endParaRPr lang="ko-KR" altLang="en-US"/>
-          </a:p>
-        </p:txBody>
-      </p:sp>
-      <p:sp>
-        <p:nvSpPr>
-          <p:cNvPr id="19" name="직사각형 18">
-            <a:extLst>
-              <a:ext uri="{FF2B5EF4-FFF2-40B4-BE49-F238E27FC236}">
-                <a16:creationId xmlns:a16="http://schemas.microsoft.com/office/drawing/2014/main" xmlns="" id="{2F9F526F-DC3D-45D0-97CC-857F415DEC53}"/>
-              </a:ext>
-            </a:extLst>
-          </p:cNvPr>
-          <p:cNvSpPr/>
-          <p:nvPr/>
-        </p:nvSpPr>
-        <p:spPr>
-          <a:xfrm>
-            <a:off x="2688128" y="2047946"/>
-            <a:ext cx="8242300" cy="1044000"/>
-          </a:xfrm>
-          <a:prstGeom prst="rect">
-            <a:avLst/>
-          </a:prstGeom>
-          <a:solidFill>
-            <a:schemeClr val="accent1"/>
-          </a:solidFill>
-          <a:ln>
-            <a:noFill/>
-          </a:ln>
-        </p:spPr>
-        <p:style>
-          <a:lnRef idx="2">
-            <a:schemeClr val="accent1">
-              <a:shade val="50000"/>
-            </a:schemeClr>
-          </a:lnRef>
-          <a:fillRef idx="1">
-            <a:schemeClr val="accent1"/>
-          </a:fillRef>
-          <a:effectRef idx="0">
-            <a:schemeClr val="accent1"/>
-          </a:effectRef>
-          <a:fontRef idx="minor">
-            <a:schemeClr val="lt1"/>
-          </a:fontRef>
-        </p:style>
-        <p:txBody>
-          <a:bodyPr rtlCol="0" anchor="ctr"/>
-          <a:lstStyle/>
-          <a:p>
-            <a:pPr algn="ctr"/>
-            <a:endParaRPr lang="ko-KR" altLang="en-US"/>
-          </a:p>
-        </p:txBody>
-      </p:sp>
-      <p:sp>
-        <p:nvSpPr>
-          <p:cNvPr id="20" name="TextBox 19">
-            <a:extLst>
-              <a:ext uri="{FF2B5EF4-FFF2-40B4-BE49-F238E27FC236}">
-                <a16:creationId xmlns:a16="http://schemas.microsoft.com/office/drawing/2014/main" xmlns="" id="{31514E13-0F73-4EAD-8EE0-CF531BE06C69}"/>
-              </a:ext>
-            </a:extLst>
-          </p:cNvPr>
-          <p:cNvSpPr txBox="1"/>
-          <p:nvPr/>
-        </p:nvSpPr>
-        <p:spPr>
-          <a:xfrm>
-            <a:off x="1612432" y="2234823"/>
-            <a:ext cx="428323" cy="646331"/>
-          </a:xfrm>
-          <a:prstGeom prst="rect">
-            <a:avLst/>
-          </a:prstGeom>
-          <a:noFill/>
-        </p:spPr>
-        <p:txBody>
-          <a:bodyPr wrap="none" rtlCol="0">
-            <a:spAutoFit/>
-          </a:bodyPr>
-          <a:lstStyle/>
-          <a:p>
-            <a:pPr algn="ctr"/>
-            <a:r>
-              <a:rPr lang="en-US" altLang="ko-KR" sz="3600" spc="-300" dirty="0">
-                <a:solidFill>
-                  <a:schemeClr val="bg1"/>
-                </a:solidFill>
-                <a:latin typeface="+mj-ea"/>
-                <a:ea typeface="+mj-ea"/>
-              </a:rPr>
-              <a:t>1</a:t>
-            </a:r>
-            <a:endParaRPr lang="ko-KR" altLang="en-US" sz="3600" spc="-300" dirty="0">
-              <a:solidFill>
-                <a:schemeClr val="bg1"/>
-              </a:solidFill>
-              <a:latin typeface="+mj-ea"/>
-              <a:ea typeface="+mj-ea"/>
-            </a:endParaRPr>
-          </a:p>
-        </p:txBody>
-      </p:sp>
-      <p:sp>
-        <p:nvSpPr>
-          <p:cNvPr id="21" name="TextBox 20">
-            <a:extLst>
-              <a:ext uri="{FF2B5EF4-FFF2-40B4-BE49-F238E27FC236}">
-                <a16:creationId xmlns:a16="http://schemas.microsoft.com/office/drawing/2014/main" xmlns="" id="{5A8C8947-AD11-4BA5-AFC4-C97C91EBC161}"/>
-              </a:ext>
-            </a:extLst>
-          </p:cNvPr>
-          <p:cNvSpPr txBox="1"/>
-          <p:nvPr/>
-        </p:nvSpPr>
-        <p:spPr>
-          <a:xfrm>
-            <a:off x="2945222" y="2281114"/>
-            <a:ext cx="3078087" cy="584775"/>
-          </a:xfrm>
-          <a:prstGeom prst="rect">
-            <a:avLst/>
-          </a:prstGeom>
-          <a:noFill/>
-        </p:spPr>
-        <p:txBody>
-          <a:bodyPr wrap="none" rtlCol="0">
-            <a:spAutoFit/>
-          </a:bodyPr>
-          <a:lstStyle/>
-          <a:p>
-            <a:r>
-              <a:rPr lang="ko-KR" altLang="en-US" sz="3200" spc="-300" dirty="0">
-                <a:solidFill>
-                  <a:schemeClr val="bg1"/>
-                </a:solidFill>
-                <a:latin typeface="+mn-ea"/>
-              </a:rPr>
-              <a:t>주제를 입력하세요</a:t>
-            </a:r>
-          </a:p>
-        </p:txBody>
-      </p:sp>
-      <p:sp>
-        <p:nvSpPr>
-          <p:cNvPr id="22" name="직사각형 21">
-            <a:extLst>
-              <a:ext uri="{FF2B5EF4-FFF2-40B4-BE49-F238E27FC236}">
-                <a16:creationId xmlns:a16="http://schemas.microsoft.com/office/drawing/2014/main" xmlns="" id="{22B7112F-B03C-4AFD-888E-4D3992FEA2EE}"/>
-              </a:ext>
-            </a:extLst>
-          </p:cNvPr>
-          <p:cNvSpPr/>
-          <p:nvPr/>
-        </p:nvSpPr>
-        <p:spPr>
-          <a:xfrm>
-            <a:off x="1278428" y="3367447"/>
-            <a:ext cx="1168400" cy="1044000"/>
-          </a:xfrm>
-          <a:prstGeom prst="rect">
-            <a:avLst/>
-          </a:prstGeom>
-          <a:solidFill>
-            <a:schemeClr val="accent2"/>
-          </a:solidFill>
-          <a:ln>
-            <a:noFill/>
-          </a:ln>
-        </p:spPr>
-        <p:style>
-          <a:lnRef idx="0">
-            <a:scrgbClr r="0" g="0" b="0"/>
-          </a:lnRef>
-          <a:fillRef idx="0">
-            <a:scrgbClr r="0" g="0" b="0"/>
-          </a:fillRef>
-          <a:effectRef idx="0">
-            <a:scrgbClr r="0" g="0" b="0"/>
-          </a:effectRef>
-          <a:fontRef idx="minor">
-            <a:schemeClr val="lt1"/>
-          </a:fontRef>
-        </p:style>
-        <p:txBody>
-          <a:bodyPr rtlCol="0" anchor="ctr"/>
-          <a:lstStyle/>
-          <a:p>
-            <a:pPr algn="ctr"/>
-            <a:endParaRPr lang="ko-KR" altLang="en-US"/>
-          </a:p>
-        </p:txBody>
-      </p:sp>
-      <p:sp>
-        <p:nvSpPr>
-          <p:cNvPr id="23" name="직사각형 22">
-            <a:extLst>
-              <a:ext uri="{FF2B5EF4-FFF2-40B4-BE49-F238E27FC236}">
-                <a16:creationId xmlns:a16="http://schemas.microsoft.com/office/drawing/2014/main" xmlns="" id="{F0282083-F71D-404F-8759-15BB8B3A55F0}"/>
-              </a:ext>
-            </a:extLst>
-          </p:cNvPr>
-          <p:cNvSpPr/>
-          <p:nvPr/>
-        </p:nvSpPr>
-        <p:spPr>
-          <a:xfrm>
-            <a:off x="2688128" y="3367447"/>
-            <a:ext cx="8242300" cy="1044000"/>
-          </a:xfrm>
-          <a:prstGeom prst="rect">
-            <a:avLst/>
-          </a:prstGeom>
-          <a:solidFill>
-            <a:schemeClr val="accent2"/>
-          </a:solidFill>
-          <a:ln>
-            <a:noFill/>
-          </a:ln>
-        </p:spPr>
-        <p:style>
-          <a:lnRef idx="0">
-            <a:scrgbClr r="0" g="0" b="0"/>
-          </a:lnRef>
-          <a:fillRef idx="0">
-            <a:scrgbClr r="0" g="0" b="0"/>
-          </a:fillRef>
-          <a:effectRef idx="0">
-            <a:scrgbClr r="0" g="0" b="0"/>
-          </a:effectRef>
-          <a:fontRef idx="minor">
-            <a:schemeClr val="lt1"/>
-          </a:fontRef>
-        </p:style>
-        <p:txBody>
-          <a:bodyPr rtlCol="0" anchor="ctr"/>
-          <a:lstStyle/>
-          <a:p>
-            <a:pPr algn="ctr"/>
-            <a:endParaRPr lang="ko-KR" altLang="en-US"/>
-          </a:p>
-        </p:txBody>
-      </p:sp>
-      <p:sp>
-        <p:nvSpPr>
-          <p:cNvPr id="24" name="TextBox 23">
-            <a:extLst>
-              <a:ext uri="{FF2B5EF4-FFF2-40B4-BE49-F238E27FC236}">
-                <a16:creationId xmlns:a16="http://schemas.microsoft.com/office/drawing/2014/main" xmlns="" id="{11761A23-A89B-49A0-9103-FB499CB51CA7}"/>
-              </a:ext>
-            </a:extLst>
-          </p:cNvPr>
-          <p:cNvSpPr txBox="1"/>
-          <p:nvPr/>
-        </p:nvSpPr>
-        <p:spPr>
-          <a:xfrm>
-            <a:off x="1623067" y="3564662"/>
-            <a:ext cx="428322" cy="646331"/>
-          </a:xfrm>
-          <a:prstGeom prst="rect">
-            <a:avLst/>
-          </a:prstGeom>
-          <a:noFill/>
-          <a:ln>
-            <a:noFill/>
-          </a:ln>
-        </p:spPr>
-        <p:style>
-          <a:lnRef idx="0">
-            <a:scrgbClr r="0" g="0" b="0"/>
-          </a:lnRef>
-          <a:fillRef idx="0">
-            <a:scrgbClr r="0" g="0" b="0"/>
-          </a:fillRef>
-          <a:effectRef idx="0">
-            <a:scrgbClr r="0" g="0" b="0"/>
-          </a:effectRef>
-          <a:fontRef idx="minor">
-            <a:schemeClr val="lt1"/>
-          </a:fontRef>
-        </p:style>
-        <p:txBody>
-          <a:bodyPr wrap="none" rtlCol="0">
-            <a:spAutoFit/>
-          </a:bodyPr>
-          <a:lstStyle/>
-          <a:p>
-            <a:pPr algn="ctr"/>
-            <a:r>
-              <a:rPr lang="en-US" altLang="ko-KR" sz="3600" spc="-300" dirty="0">
-                <a:solidFill>
-                  <a:schemeClr val="bg1"/>
-                </a:solidFill>
-                <a:latin typeface="+mj-ea"/>
-                <a:ea typeface="+mj-ea"/>
-              </a:rPr>
-              <a:t>2</a:t>
-            </a:r>
-            <a:endParaRPr lang="ko-KR" altLang="en-US" sz="3600" spc="-300" dirty="0">
-              <a:solidFill>
-                <a:schemeClr val="bg1"/>
-              </a:solidFill>
-              <a:latin typeface="+mj-ea"/>
-              <a:ea typeface="+mj-ea"/>
-            </a:endParaRPr>
-          </a:p>
-        </p:txBody>
-      </p:sp>
-      <p:sp>
-        <p:nvSpPr>
-          <p:cNvPr id="25" name="TextBox 24">
-            <a:extLst>
-              <a:ext uri="{FF2B5EF4-FFF2-40B4-BE49-F238E27FC236}">
-                <a16:creationId xmlns:a16="http://schemas.microsoft.com/office/drawing/2014/main" xmlns="" id="{CEA63ED5-C65D-4CB4-B317-42D69753959A}"/>
-              </a:ext>
-            </a:extLst>
-          </p:cNvPr>
-          <p:cNvSpPr txBox="1"/>
-          <p:nvPr/>
-        </p:nvSpPr>
-        <p:spPr>
-          <a:xfrm>
-            <a:off x="2945222" y="3579352"/>
-            <a:ext cx="2775119" cy="584775"/>
-          </a:xfrm>
-          <a:prstGeom prst="rect">
-            <a:avLst/>
-          </a:prstGeom>
-          <a:noFill/>
-          <a:ln>
-            <a:noFill/>
-          </a:ln>
-        </p:spPr>
-        <p:style>
-          <a:lnRef idx="0">
-            <a:scrgbClr r="0" g="0" b="0"/>
-          </a:lnRef>
-          <a:fillRef idx="0">
-            <a:scrgbClr r="0" g="0" b="0"/>
-          </a:fillRef>
-          <a:effectRef idx="0">
-            <a:scrgbClr r="0" g="0" b="0"/>
-          </a:effectRef>
-          <a:fontRef idx="minor">
-            <a:schemeClr val="lt1"/>
-          </a:fontRef>
-        </p:style>
-        <p:txBody>
-          <a:bodyPr wrap="none" rtlCol="0">
-            <a:spAutoFit/>
-          </a:bodyPr>
-          <a:lstStyle/>
-          <a:p>
-            <a:r>
-              <a:rPr lang="ko-KR" altLang="en-US" sz="3200" spc="-300" dirty="0">
-                <a:solidFill>
-                  <a:schemeClr val="bg1"/>
-                </a:solidFill>
-                <a:latin typeface="+mn-ea"/>
-              </a:rPr>
-              <a:t>주제를 입력하세요</a:t>
-            </a:r>
-          </a:p>
-        </p:txBody>
-      </p:sp>
-      <p:sp>
-        <p:nvSpPr>
-          <p:cNvPr id="26" name="직사각형 25">
-            <a:extLst>
-              <a:ext uri="{FF2B5EF4-FFF2-40B4-BE49-F238E27FC236}">
-                <a16:creationId xmlns:a16="http://schemas.microsoft.com/office/drawing/2014/main" xmlns="" id="{64A4D990-7F19-4B43-A33C-FCB4182E2A55}"/>
-              </a:ext>
-            </a:extLst>
-          </p:cNvPr>
-          <p:cNvSpPr/>
-          <p:nvPr/>
-        </p:nvSpPr>
-        <p:spPr>
-          <a:xfrm>
-            <a:off x="1278428" y="4686948"/>
-            <a:ext cx="1168400" cy="1044000"/>
-          </a:xfrm>
-          <a:prstGeom prst="rect">
-            <a:avLst/>
-          </a:prstGeom>
-          <a:solidFill>
-            <a:schemeClr val="accent6"/>
-          </a:solidFill>
-          <a:ln>
-            <a:noFill/>
-          </a:ln>
-        </p:spPr>
-        <p:style>
-          <a:lnRef idx="2">
-            <a:schemeClr val="accent1">
-              <a:shade val="50000"/>
-            </a:schemeClr>
-          </a:lnRef>
-          <a:fillRef idx="1">
-            <a:schemeClr val="accent1"/>
-          </a:fillRef>
-          <a:effectRef idx="0">
-            <a:schemeClr val="accent1"/>
-          </a:effectRef>
-          <a:fontRef idx="minor">
-            <a:schemeClr val="lt1"/>
-          </a:fontRef>
-        </p:style>
-        <p:txBody>
-          <a:bodyPr rtlCol="0" anchor="ctr"/>
-          <a:lstStyle/>
-          <a:p>
-            <a:pPr algn="ctr"/>
-            <a:endParaRPr lang="ko-KR" altLang="en-US"/>
-          </a:p>
-        </p:txBody>
-      </p:sp>
-      <p:sp>
-        <p:nvSpPr>
-          <p:cNvPr id="27" name="직사각형 26">
-            <a:extLst>
-              <a:ext uri="{FF2B5EF4-FFF2-40B4-BE49-F238E27FC236}">
-                <a16:creationId xmlns:a16="http://schemas.microsoft.com/office/drawing/2014/main" xmlns="" id="{9460BB99-9F69-4AB9-84C3-FEA78F16C514}"/>
-              </a:ext>
-            </a:extLst>
-          </p:cNvPr>
-          <p:cNvSpPr/>
-          <p:nvPr/>
-        </p:nvSpPr>
-        <p:spPr>
-          <a:xfrm>
-            <a:off x="2688128" y="4686948"/>
-            <a:ext cx="8242300" cy="1044000"/>
-          </a:xfrm>
-          <a:prstGeom prst="rect">
-            <a:avLst/>
-          </a:prstGeom>
-          <a:solidFill>
-            <a:schemeClr val="accent6"/>
-          </a:solidFill>
-          <a:ln>
-            <a:noFill/>
-          </a:ln>
-        </p:spPr>
-        <p:style>
-          <a:lnRef idx="2">
-            <a:schemeClr val="accent1">
-              <a:shade val="50000"/>
-            </a:schemeClr>
-          </a:lnRef>
-          <a:fillRef idx="1">
-            <a:schemeClr val="accent1"/>
-          </a:fillRef>
-          <a:effectRef idx="0">
-            <a:schemeClr val="accent1"/>
-          </a:effectRef>
-          <a:fontRef idx="minor">
-            <a:schemeClr val="lt1"/>
-          </a:fontRef>
-        </p:style>
-        <p:txBody>
-          <a:bodyPr rtlCol="0" anchor="ctr"/>
-          <a:lstStyle/>
-          <a:p>
-            <a:pPr algn="ctr"/>
-            <a:endParaRPr lang="ko-KR" altLang="en-US"/>
-          </a:p>
-        </p:txBody>
-      </p:sp>
-      <p:sp>
-        <p:nvSpPr>
-          <p:cNvPr id="28" name="TextBox 27">
-            <a:extLst>
-              <a:ext uri="{FF2B5EF4-FFF2-40B4-BE49-F238E27FC236}">
-                <a16:creationId xmlns:a16="http://schemas.microsoft.com/office/drawing/2014/main" xmlns="" id="{9AA1068E-2C3F-4AE4-B156-57FB340C7A5D}"/>
-              </a:ext>
-            </a:extLst>
-          </p:cNvPr>
-          <p:cNvSpPr txBox="1"/>
-          <p:nvPr/>
-        </p:nvSpPr>
-        <p:spPr>
-          <a:xfrm>
-            <a:off x="1623067" y="4884163"/>
-            <a:ext cx="428322" cy="646331"/>
-          </a:xfrm>
-          <a:prstGeom prst="rect">
-            <a:avLst/>
-          </a:prstGeom>
-          <a:noFill/>
-        </p:spPr>
-        <p:txBody>
-          <a:bodyPr wrap="none" rtlCol="0">
-            <a:spAutoFit/>
-          </a:bodyPr>
-          <a:lstStyle/>
-          <a:p>
-            <a:pPr algn="ctr"/>
-            <a:r>
-              <a:rPr lang="en-US" altLang="ko-KR" sz="3600" spc="-300" dirty="0">
-                <a:solidFill>
-                  <a:schemeClr val="tx1">
-                    <a:lumMod val="75000"/>
-                    <a:lumOff val="25000"/>
-                  </a:schemeClr>
-                </a:solidFill>
-                <a:latin typeface="+mj-ea"/>
-                <a:ea typeface="+mj-ea"/>
-              </a:rPr>
-              <a:t>3</a:t>
-            </a:r>
-            <a:endParaRPr lang="ko-KR" altLang="en-US" sz="3600" spc="-300" dirty="0">
-              <a:solidFill>
-                <a:schemeClr val="tx1">
-                  <a:lumMod val="75000"/>
-                  <a:lumOff val="25000"/>
-                </a:schemeClr>
-              </a:solidFill>
-              <a:latin typeface="+mj-ea"/>
-              <a:ea typeface="+mj-ea"/>
-            </a:endParaRPr>
-          </a:p>
-        </p:txBody>
-      </p:sp>
-      <p:sp>
-        <p:nvSpPr>
-          <p:cNvPr id="29" name="TextBox 28">
-            <a:extLst>
-              <a:ext uri="{FF2B5EF4-FFF2-40B4-BE49-F238E27FC236}">
-                <a16:creationId xmlns:a16="http://schemas.microsoft.com/office/drawing/2014/main" xmlns="" id="{BA875725-6414-48F9-9779-9741EF9B938D}"/>
-              </a:ext>
-            </a:extLst>
-          </p:cNvPr>
-          <p:cNvSpPr txBox="1"/>
-          <p:nvPr/>
-        </p:nvSpPr>
-        <p:spPr>
-          <a:xfrm>
-            <a:off x="2945222" y="4898853"/>
-            <a:ext cx="2929007" cy="584775"/>
-          </a:xfrm>
-          <a:prstGeom prst="rect">
-            <a:avLst/>
-          </a:prstGeom>
-          <a:noFill/>
-        </p:spPr>
-        <p:txBody>
-          <a:bodyPr wrap="none" rtlCol="0">
-            <a:spAutoFit/>
-          </a:bodyPr>
-          <a:lstStyle/>
-          <a:p>
-            <a:r>
-              <a:rPr lang="ko-KR" altLang="en-US" sz="3200" spc="-300" dirty="0">
-                <a:solidFill>
-                  <a:schemeClr val="tx1">
-                    <a:lumMod val="75000"/>
-                    <a:lumOff val="25000"/>
-                  </a:schemeClr>
-                </a:solidFill>
-                <a:latin typeface="+mn-ea"/>
-              </a:rPr>
-              <a:t>주제를 입력하세요</a:t>
-            </a:r>
-          </a:p>
-        </p:txBody>
-      </p:sp>
-    </p:spTree>
-    <p:extLst>
-      <p:ext uri="{BB962C8B-B14F-4D97-AF65-F5344CB8AC3E}">
-        <p14:creationId xmlns:p14="http://schemas.microsoft.com/office/powerpoint/2010/main" val="1320878365"/>
-      </p:ext>
-    </p:extLst>
-  </p:cSld>
-  <p:clrMapOvr>
-    <a:masterClrMapping/>
-  </p:clrMapOvr>
-  <mc:AlternateContent xmlns:mc="http://schemas.openxmlformats.org/markup-compatibility/2006" xmlns:p14="http://schemas.microsoft.com/office/powerpoint/2010/main">
-    <mc:Choice Requires="p14">
-      <p:transition spd="med" p14:dur="700">
-        <p:fade/>
-      </p:transition>
-    </mc:Choice>
-    <mc:Fallback xmlns="">
-      <p:transition spd="med">
-        <p:fade/>
-      </p:transition>
-    </mc:Fallback>
-  </mc:AlternateContent>
-</p:sld>
-</file>
-
-<file path=ppt/slides/slide9.xml><?xml version="1.0" encoding="utf-8"?>
-<p:sld xmlns:a="http://schemas.openxmlformats.org/drawingml/2006/main" xmlns:r="http://schemas.openxmlformats.org/officeDocument/2006/relationships" xmlns:p="http://schemas.openxmlformats.org/presentationml/2006/main">
-  <p:cSld>
-    <p:spTree>
-      <p:nvGrpSpPr>
-        <p:cNvPr id="1" name=""/>
-        <p:cNvGrpSpPr/>
-        <p:nvPr/>
-      </p:nvGrpSpPr>
-      <p:grpSpPr>
-        <a:xfrm>
-          <a:off x="0" y="0"/>
-          <a:ext cx="0" cy="0"/>
-          <a:chOff x="0" y="0"/>
-          <a:chExt cx="0" cy="0"/>
-        </a:xfrm>
-      </p:grpSpPr>
-      <p:cxnSp>
-        <p:nvCxnSpPr>
-          <p:cNvPr id="3" name="직선 연결선 2">
-            <a:extLst>
-              <a:ext uri="{FF2B5EF4-FFF2-40B4-BE49-F238E27FC236}">
-                <a16:creationId xmlns:a16="http://schemas.microsoft.com/office/drawing/2014/main" xmlns="" id="{30B7886A-E2C2-47A8-A271-1FD08F52EED0}"/>
-              </a:ext>
-            </a:extLst>
-          </p:cNvPr>
-          <p:cNvCxnSpPr>
-            <a:cxnSpLocks/>
-          </p:cNvCxnSpPr>
-          <p:nvPr/>
-        </p:nvCxnSpPr>
-        <p:spPr>
-          <a:xfrm>
-            <a:off x="152400" y="190500"/>
-            <a:ext cx="1435100" cy="0"/>
-          </a:xfrm>
-          <a:prstGeom prst="line">
-            <a:avLst/>
-          </a:prstGeom>
-          <a:ln w="76200">
-            <a:solidFill>
-              <a:schemeClr val="accent4"/>
-            </a:solidFill>
-          </a:ln>
-        </p:spPr>
-        <p:style>
-          <a:lnRef idx="1">
-            <a:schemeClr val="accent1"/>
-          </a:lnRef>
-          <a:fillRef idx="0">
-            <a:schemeClr val="accent1"/>
-          </a:fillRef>
-          <a:effectRef idx="0">
-            <a:schemeClr val="accent1"/>
-          </a:effectRef>
-          <a:fontRef idx="minor">
-            <a:schemeClr val="tx1"/>
-          </a:fontRef>
-        </p:style>
-      </p:cxnSp>
-      <p:sp>
-        <p:nvSpPr>
-          <p:cNvPr id="5" name="TextBox 4">
-            <a:extLst>
-              <a:ext uri="{FF2B5EF4-FFF2-40B4-BE49-F238E27FC236}">
-                <a16:creationId xmlns:a16="http://schemas.microsoft.com/office/drawing/2014/main" xmlns="" id="{B0BF8F17-9E56-462D-B8ED-980C1047873B}"/>
-              </a:ext>
-            </a:extLst>
-          </p:cNvPr>
-          <p:cNvSpPr txBox="1"/>
-          <p:nvPr/>
-        </p:nvSpPr>
-        <p:spPr>
-          <a:xfrm>
-            <a:off x="1676400" y="330200"/>
-            <a:ext cx="3892412" cy="769441"/>
-          </a:xfrm>
-          <a:prstGeom prst="rect">
-            <a:avLst/>
-          </a:prstGeom>
-          <a:noFill/>
-        </p:spPr>
-        <p:txBody>
-          <a:bodyPr wrap="none" rtlCol="0">
-            <a:spAutoFit/>
-          </a:bodyPr>
-          <a:lstStyle/>
-          <a:p>
-            <a:r>
-              <a:rPr lang="ko-KR" altLang="en-US" sz="4400" spc="-300" dirty="0">
-                <a:solidFill>
-                  <a:schemeClr val="accent4"/>
-                </a:solidFill>
-              </a:rPr>
-              <a:t>제목을 입력하세요</a:t>
-            </a:r>
-          </a:p>
-        </p:txBody>
-      </p:sp>
-      <p:sp>
-        <p:nvSpPr>
-          <p:cNvPr id="6" name="TextBox 5">
-            <a:extLst>
-              <a:ext uri="{FF2B5EF4-FFF2-40B4-BE49-F238E27FC236}">
-                <a16:creationId xmlns:a16="http://schemas.microsoft.com/office/drawing/2014/main" xmlns="" id="{3C4D8878-800F-4A94-9AEE-55D2DF32C42C}"/>
-              </a:ext>
-            </a:extLst>
-          </p:cNvPr>
-          <p:cNvSpPr txBox="1"/>
-          <p:nvPr/>
-        </p:nvSpPr>
-        <p:spPr>
-          <a:xfrm>
-            <a:off x="583709" y="345588"/>
-            <a:ext cx="877163" cy="369332"/>
-          </a:xfrm>
-          <a:prstGeom prst="rect">
-            <a:avLst/>
-          </a:prstGeom>
-          <a:noFill/>
-        </p:spPr>
-        <p:txBody>
-          <a:bodyPr wrap="none" rtlCol="0">
-            <a:spAutoFit/>
-          </a:bodyPr>
-          <a:lstStyle/>
-          <a:p>
-            <a:r>
-              <a:rPr lang="ko-KR" altLang="en-US" dirty="0" err="1">
-                <a:solidFill>
-                  <a:schemeClr val="accent4"/>
-                </a:solidFill>
-              </a:rPr>
-              <a:t>황세동</a:t>
-            </a:r>
-            <a:endParaRPr lang="ko-KR" altLang="en-US" dirty="0">
-              <a:solidFill>
-                <a:schemeClr val="accent4"/>
-              </a:solidFill>
-            </a:endParaRPr>
-          </a:p>
-        </p:txBody>
-      </p:sp>
-      <p:cxnSp>
-        <p:nvCxnSpPr>
-          <p:cNvPr id="18" name="직선 연결선 17">
-            <a:extLst>
-              <a:ext uri="{FF2B5EF4-FFF2-40B4-BE49-F238E27FC236}">
-                <a16:creationId xmlns:a16="http://schemas.microsoft.com/office/drawing/2014/main" xmlns="" id="{7911BDFD-7E29-44F7-9ED7-E8F36B51436C}"/>
-              </a:ext>
-            </a:extLst>
-          </p:cNvPr>
-          <p:cNvCxnSpPr/>
-          <p:nvPr/>
-        </p:nvCxnSpPr>
-        <p:spPr>
-          <a:xfrm>
-            <a:off x="1587500" y="190500"/>
-            <a:ext cx="10604500" cy="0"/>
-          </a:xfrm>
-          <a:prstGeom prst="line">
-            <a:avLst/>
-          </a:prstGeom>
-        </p:spPr>
-        <p:style>
-          <a:lnRef idx="1">
-            <a:schemeClr val="accent1"/>
-          </a:lnRef>
-          <a:fillRef idx="0">
-            <a:schemeClr val="accent1"/>
-          </a:fillRef>
-          <a:effectRef idx="0">
-            <a:schemeClr val="accent1"/>
-          </a:effectRef>
-          <a:fontRef idx="minor">
-            <a:schemeClr val="tx1"/>
-          </a:fontRef>
-        </p:style>
-      </p:cxnSp>
-      <p:cxnSp>
-        <p:nvCxnSpPr>
-          <p:cNvPr id="30" name="직선 연결선 29">
-            <a:extLst>
-              <a:ext uri="{FF2B5EF4-FFF2-40B4-BE49-F238E27FC236}">
-                <a16:creationId xmlns:a16="http://schemas.microsoft.com/office/drawing/2014/main" xmlns="" id="{DABC1F0A-392E-49CD-956A-2DD195464699}"/>
-              </a:ext>
-            </a:extLst>
-          </p:cNvPr>
-          <p:cNvCxnSpPr/>
-          <p:nvPr/>
-        </p:nvCxnSpPr>
-        <p:spPr>
-          <a:xfrm>
-            <a:off x="1046180" y="5507781"/>
-            <a:ext cx="2038350" cy="0"/>
-          </a:xfrm>
-          <a:prstGeom prst="line">
-            <a:avLst/>
-          </a:prstGeom>
-          <a:ln>
-            <a:solidFill>
-              <a:schemeClr val="tx1">
-                <a:lumMod val="50000"/>
-                <a:lumOff val="50000"/>
-              </a:schemeClr>
-            </a:solidFill>
-          </a:ln>
-        </p:spPr>
-        <p:style>
-          <a:lnRef idx="1">
-            <a:schemeClr val="accent1"/>
-          </a:lnRef>
-          <a:fillRef idx="0">
-            <a:schemeClr val="accent1"/>
-          </a:fillRef>
-          <a:effectRef idx="0">
-            <a:schemeClr val="accent1"/>
-          </a:effectRef>
-          <a:fontRef idx="minor">
-            <a:schemeClr val="tx1"/>
-          </a:fontRef>
-        </p:style>
-      </p:cxnSp>
-      <p:sp>
-        <p:nvSpPr>
-          <p:cNvPr id="31" name="TextBox 30">
-            <a:extLst>
-              <a:ext uri="{FF2B5EF4-FFF2-40B4-BE49-F238E27FC236}">
-                <a16:creationId xmlns:a16="http://schemas.microsoft.com/office/drawing/2014/main" xmlns="" id="{8A4BEAA5-02E6-4FBC-93A9-CE46F6FD0CFE}"/>
-              </a:ext>
-            </a:extLst>
-          </p:cNvPr>
-          <p:cNvSpPr txBox="1"/>
-          <p:nvPr/>
-        </p:nvSpPr>
-        <p:spPr>
-          <a:xfrm>
-            <a:off x="1279466" y="5583953"/>
-            <a:ext cx="1571777" cy="307777"/>
-          </a:xfrm>
-          <a:prstGeom prst="rect">
-            <a:avLst/>
-          </a:prstGeom>
-          <a:noFill/>
-        </p:spPr>
-        <p:txBody>
-          <a:bodyPr wrap="none" rtlCol="0">
-            <a:spAutoFit/>
-          </a:bodyPr>
-          <a:lstStyle/>
-          <a:p>
-            <a:pPr algn="ctr"/>
-            <a:r>
-              <a:rPr lang="en-US" altLang="ko-KR" sz="1400" dirty="0"/>
-              <a:t>PowerPoint, 2017</a:t>
-            </a:r>
-            <a:endParaRPr lang="ko-KR" altLang="en-US" sz="1400" dirty="0"/>
-          </a:p>
-        </p:txBody>
-      </p:sp>
-      <p:sp>
-        <p:nvSpPr>
-          <p:cNvPr id="32" name="TextBox 31">
-            <a:extLst>
-              <a:ext uri="{FF2B5EF4-FFF2-40B4-BE49-F238E27FC236}">
-                <a16:creationId xmlns:a16="http://schemas.microsoft.com/office/drawing/2014/main" xmlns="" id="{1DDE27F6-8F67-4E3C-8573-56D060BA818D}"/>
-              </a:ext>
-            </a:extLst>
-          </p:cNvPr>
-          <p:cNvSpPr txBox="1"/>
-          <p:nvPr/>
-        </p:nvSpPr>
-        <p:spPr>
-          <a:xfrm>
-            <a:off x="1630364" y="5875254"/>
-            <a:ext cx="958916" cy="261610"/>
-          </a:xfrm>
-          <a:prstGeom prst="rect">
-            <a:avLst/>
-          </a:prstGeom>
-          <a:noFill/>
-        </p:spPr>
-        <p:txBody>
-          <a:bodyPr wrap="none" rtlCol="0">
-            <a:spAutoFit/>
-          </a:bodyPr>
-          <a:lstStyle/>
-          <a:p>
-            <a:pPr algn="ctr"/>
-            <a:r>
-              <a:rPr lang="en-US" altLang="ko-KR" sz="1100" dirty="0"/>
-              <a:t>Saebyeol Yu</a:t>
-            </a:r>
-            <a:endParaRPr lang="ko-KR" altLang="en-US" sz="1100" dirty="0"/>
-          </a:p>
-        </p:txBody>
-      </p:sp>
-      <p:cxnSp>
-        <p:nvCxnSpPr>
-          <p:cNvPr id="33" name="직선 연결선 32">
-            <a:extLst>
-              <a:ext uri="{FF2B5EF4-FFF2-40B4-BE49-F238E27FC236}">
-                <a16:creationId xmlns:a16="http://schemas.microsoft.com/office/drawing/2014/main" xmlns="" id="{38057A6D-54BA-43D0-B167-EF8B2E74635C}"/>
-              </a:ext>
-            </a:extLst>
-          </p:cNvPr>
-          <p:cNvCxnSpPr/>
-          <p:nvPr/>
-        </p:nvCxnSpPr>
-        <p:spPr>
-          <a:xfrm>
-            <a:off x="3710583" y="5507781"/>
-            <a:ext cx="2038350" cy="0"/>
-          </a:xfrm>
-          <a:prstGeom prst="line">
-            <a:avLst/>
-          </a:prstGeom>
-          <a:ln>
-            <a:solidFill>
-              <a:schemeClr val="tx1">
-                <a:lumMod val="50000"/>
-                <a:lumOff val="50000"/>
-              </a:schemeClr>
-            </a:solidFill>
-          </a:ln>
-        </p:spPr>
-        <p:style>
-          <a:lnRef idx="1">
-            <a:schemeClr val="accent1"/>
-          </a:lnRef>
-          <a:fillRef idx="0">
-            <a:schemeClr val="accent1"/>
-          </a:fillRef>
-          <a:effectRef idx="0">
-            <a:schemeClr val="accent1"/>
-          </a:effectRef>
-          <a:fontRef idx="minor">
-            <a:schemeClr val="tx1"/>
-          </a:fontRef>
-        </p:style>
-      </p:cxnSp>
-      <p:sp>
-        <p:nvSpPr>
-          <p:cNvPr id="34" name="TextBox 33">
-            <a:extLst>
-              <a:ext uri="{FF2B5EF4-FFF2-40B4-BE49-F238E27FC236}">
-                <a16:creationId xmlns:a16="http://schemas.microsoft.com/office/drawing/2014/main" xmlns="" id="{20FD33A5-75B4-4F4E-A052-F72A0BA49053}"/>
-              </a:ext>
-            </a:extLst>
-          </p:cNvPr>
-          <p:cNvSpPr txBox="1"/>
-          <p:nvPr/>
-        </p:nvSpPr>
-        <p:spPr>
-          <a:xfrm>
-            <a:off x="3943870" y="5603032"/>
-            <a:ext cx="1571777" cy="307777"/>
-          </a:xfrm>
-          <a:prstGeom prst="rect">
-            <a:avLst/>
-          </a:prstGeom>
-          <a:noFill/>
-        </p:spPr>
-        <p:txBody>
-          <a:bodyPr wrap="none" rtlCol="0">
-            <a:spAutoFit/>
-          </a:bodyPr>
-          <a:lstStyle/>
-          <a:p>
-            <a:pPr algn="ctr"/>
-            <a:r>
-              <a:rPr lang="en-US" altLang="ko-KR" sz="1400" dirty="0"/>
-              <a:t>PowerPoint, 2018</a:t>
-            </a:r>
-            <a:endParaRPr lang="ko-KR" altLang="en-US" sz="1400" dirty="0"/>
-          </a:p>
-        </p:txBody>
-      </p:sp>
-      <p:sp>
-        <p:nvSpPr>
-          <p:cNvPr id="35" name="TextBox 34">
-            <a:extLst>
-              <a:ext uri="{FF2B5EF4-FFF2-40B4-BE49-F238E27FC236}">
-                <a16:creationId xmlns:a16="http://schemas.microsoft.com/office/drawing/2014/main" xmlns="" id="{171153F2-8E59-4C59-930F-9B5E313593A0}"/>
-              </a:ext>
-            </a:extLst>
-          </p:cNvPr>
-          <p:cNvSpPr txBox="1"/>
-          <p:nvPr/>
-        </p:nvSpPr>
-        <p:spPr>
-          <a:xfrm>
-            <a:off x="4294767" y="5875254"/>
-            <a:ext cx="958916" cy="261610"/>
-          </a:xfrm>
-          <a:prstGeom prst="rect">
-            <a:avLst/>
-          </a:prstGeom>
-          <a:noFill/>
-        </p:spPr>
-        <p:txBody>
-          <a:bodyPr wrap="none" rtlCol="0">
-            <a:spAutoFit/>
-          </a:bodyPr>
-          <a:lstStyle/>
-          <a:p>
-            <a:pPr algn="ctr"/>
-            <a:r>
-              <a:rPr lang="en-US" altLang="ko-KR" sz="1100" dirty="0"/>
-              <a:t>Saebyeol Yu</a:t>
-            </a:r>
-            <a:endParaRPr lang="ko-KR" altLang="en-US" sz="1100" dirty="0"/>
-          </a:p>
-        </p:txBody>
-      </p:sp>
-      <p:cxnSp>
-        <p:nvCxnSpPr>
-          <p:cNvPr id="36" name="직선 연결선 35">
-            <a:extLst>
-              <a:ext uri="{FF2B5EF4-FFF2-40B4-BE49-F238E27FC236}">
-                <a16:creationId xmlns:a16="http://schemas.microsoft.com/office/drawing/2014/main" xmlns="" id="{6CE71B90-FB24-4C88-A8D8-8D35B256BC92}"/>
-              </a:ext>
-            </a:extLst>
-          </p:cNvPr>
-          <p:cNvCxnSpPr/>
-          <p:nvPr/>
-        </p:nvCxnSpPr>
-        <p:spPr>
-          <a:xfrm>
-            <a:off x="6374986" y="5507781"/>
-            <a:ext cx="2038350" cy="0"/>
-          </a:xfrm>
-          <a:prstGeom prst="line">
-            <a:avLst/>
-          </a:prstGeom>
-          <a:ln>
-            <a:solidFill>
-              <a:schemeClr val="tx1">
-                <a:lumMod val="50000"/>
-                <a:lumOff val="50000"/>
-              </a:schemeClr>
-            </a:solidFill>
-          </a:ln>
-        </p:spPr>
-        <p:style>
-          <a:lnRef idx="1">
-            <a:schemeClr val="accent1"/>
-          </a:lnRef>
-          <a:fillRef idx="0">
-            <a:schemeClr val="accent1"/>
-          </a:fillRef>
-          <a:effectRef idx="0">
-            <a:schemeClr val="accent1"/>
-          </a:effectRef>
-          <a:fontRef idx="minor">
-            <a:schemeClr val="tx1"/>
-          </a:fontRef>
-        </p:style>
-      </p:cxnSp>
-      <p:sp>
-        <p:nvSpPr>
-          <p:cNvPr id="37" name="TextBox 36">
-            <a:extLst>
-              <a:ext uri="{FF2B5EF4-FFF2-40B4-BE49-F238E27FC236}">
-                <a16:creationId xmlns:a16="http://schemas.microsoft.com/office/drawing/2014/main" xmlns="" id="{22FF5167-02CE-4252-B4D1-E2484223B8D8}"/>
-              </a:ext>
-            </a:extLst>
-          </p:cNvPr>
-          <p:cNvSpPr txBox="1"/>
-          <p:nvPr/>
-        </p:nvSpPr>
-        <p:spPr>
-          <a:xfrm>
-            <a:off x="6608273" y="5603032"/>
-            <a:ext cx="1571777" cy="307777"/>
-          </a:xfrm>
-          <a:prstGeom prst="rect">
-            <a:avLst/>
-          </a:prstGeom>
-          <a:noFill/>
-        </p:spPr>
-        <p:txBody>
-          <a:bodyPr wrap="none" rtlCol="0">
-            <a:spAutoFit/>
-          </a:bodyPr>
-          <a:lstStyle/>
-          <a:p>
-            <a:pPr algn="ctr"/>
-            <a:r>
-              <a:rPr lang="en-US" altLang="ko-KR" sz="1400" dirty="0"/>
-              <a:t>PowerPoint, 2019</a:t>
-            </a:r>
-            <a:endParaRPr lang="ko-KR" altLang="en-US" sz="1400" dirty="0"/>
-          </a:p>
-        </p:txBody>
-      </p:sp>
-      <p:sp>
-        <p:nvSpPr>
-          <p:cNvPr id="38" name="TextBox 37">
-            <a:extLst>
-              <a:ext uri="{FF2B5EF4-FFF2-40B4-BE49-F238E27FC236}">
-                <a16:creationId xmlns:a16="http://schemas.microsoft.com/office/drawing/2014/main" xmlns="" id="{B62544EC-E094-4A27-A58E-B28FE8C2BCF5}"/>
-              </a:ext>
-            </a:extLst>
-          </p:cNvPr>
-          <p:cNvSpPr txBox="1"/>
-          <p:nvPr/>
-        </p:nvSpPr>
-        <p:spPr>
-          <a:xfrm>
-            <a:off x="6959170" y="5875254"/>
-            <a:ext cx="958916" cy="261610"/>
-          </a:xfrm>
-          <a:prstGeom prst="rect">
-            <a:avLst/>
-          </a:prstGeom>
-          <a:noFill/>
-        </p:spPr>
-        <p:txBody>
-          <a:bodyPr wrap="none" rtlCol="0">
-            <a:spAutoFit/>
-          </a:bodyPr>
-          <a:lstStyle/>
-          <a:p>
-            <a:pPr algn="ctr"/>
-            <a:r>
-              <a:rPr lang="en-US" altLang="ko-KR" sz="1100" dirty="0"/>
-              <a:t>Saebyeol Yu</a:t>
-            </a:r>
-            <a:endParaRPr lang="ko-KR" altLang="en-US" sz="1100" dirty="0"/>
-          </a:p>
-        </p:txBody>
-      </p:sp>
-      <p:cxnSp>
-        <p:nvCxnSpPr>
-          <p:cNvPr id="39" name="직선 연결선 38">
-            <a:extLst>
-              <a:ext uri="{FF2B5EF4-FFF2-40B4-BE49-F238E27FC236}">
-                <a16:creationId xmlns:a16="http://schemas.microsoft.com/office/drawing/2014/main" xmlns="" id="{030F53AF-D58D-44D1-8177-FBF84384BADC}"/>
-              </a:ext>
-            </a:extLst>
-          </p:cNvPr>
-          <p:cNvCxnSpPr/>
-          <p:nvPr/>
-        </p:nvCxnSpPr>
-        <p:spPr>
-          <a:xfrm>
-            <a:off x="9039389" y="5507781"/>
-            <a:ext cx="2038350" cy="0"/>
-          </a:xfrm>
-          <a:prstGeom prst="line">
-            <a:avLst/>
-          </a:prstGeom>
-          <a:ln>
-            <a:solidFill>
-              <a:schemeClr val="tx1">
-                <a:lumMod val="50000"/>
-                <a:lumOff val="50000"/>
-              </a:schemeClr>
-            </a:solidFill>
-          </a:ln>
-        </p:spPr>
-        <p:style>
-          <a:lnRef idx="1">
-            <a:schemeClr val="accent1"/>
-          </a:lnRef>
-          <a:fillRef idx="0">
-            <a:schemeClr val="accent1"/>
-          </a:fillRef>
-          <a:effectRef idx="0">
-            <a:schemeClr val="accent1"/>
-          </a:effectRef>
-          <a:fontRef idx="minor">
-            <a:schemeClr val="tx1"/>
-          </a:fontRef>
-        </p:style>
-      </p:cxnSp>
-      <p:sp>
-        <p:nvSpPr>
-          <p:cNvPr id="40" name="TextBox 39">
-            <a:extLst>
-              <a:ext uri="{FF2B5EF4-FFF2-40B4-BE49-F238E27FC236}">
-                <a16:creationId xmlns:a16="http://schemas.microsoft.com/office/drawing/2014/main" xmlns="" id="{4DB6D882-59BB-4281-A318-FD9CA47DE538}"/>
-              </a:ext>
-            </a:extLst>
-          </p:cNvPr>
-          <p:cNvSpPr txBox="1"/>
-          <p:nvPr/>
-        </p:nvSpPr>
-        <p:spPr>
-          <a:xfrm>
-            <a:off x="9272676" y="5603032"/>
-            <a:ext cx="1571777" cy="307777"/>
-          </a:xfrm>
-          <a:prstGeom prst="rect">
-            <a:avLst/>
-          </a:prstGeom>
-          <a:noFill/>
-        </p:spPr>
-        <p:txBody>
-          <a:bodyPr wrap="none" rtlCol="0">
-            <a:spAutoFit/>
-          </a:bodyPr>
-          <a:lstStyle/>
-          <a:p>
-            <a:pPr algn="ctr"/>
-            <a:r>
-              <a:rPr lang="en-US" altLang="ko-KR" sz="1400" dirty="0"/>
-              <a:t>PowerPoint, 2020</a:t>
-            </a:r>
-            <a:endParaRPr lang="ko-KR" altLang="en-US" sz="1400" dirty="0"/>
-          </a:p>
-        </p:txBody>
-      </p:sp>
-      <p:sp>
-        <p:nvSpPr>
-          <p:cNvPr id="41" name="TextBox 40">
-            <a:extLst>
-              <a:ext uri="{FF2B5EF4-FFF2-40B4-BE49-F238E27FC236}">
-                <a16:creationId xmlns:a16="http://schemas.microsoft.com/office/drawing/2014/main" xmlns="" id="{3D7CEA09-67FD-4B8D-B26A-FC3167743541}"/>
-              </a:ext>
-            </a:extLst>
-          </p:cNvPr>
-          <p:cNvSpPr txBox="1"/>
-          <p:nvPr/>
-        </p:nvSpPr>
-        <p:spPr>
-          <a:xfrm>
-            <a:off x="9623573" y="5875254"/>
-            <a:ext cx="958916" cy="261610"/>
-          </a:xfrm>
-          <a:prstGeom prst="rect">
-            <a:avLst/>
-          </a:prstGeom>
-          <a:noFill/>
-        </p:spPr>
-        <p:txBody>
-          <a:bodyPr wrap="none" rtlCol="0">
-            <a:spAutoFit/>
-          </a:bodyPr>
-          <a:lstStyle/>
-          <a:p>
-            <a:pPr algn="ctr"/>
-            <a:r>
-              <a:rPr lang="en-US" altLang="ko-KR" sz="1100" dirty="0"/>
-              <a:t>Saebyeol Yu</a:t>
-            </a:r>
-            <a:endParaRPr lang="ko-KR" altLang="en-US" sz="1100" dirty="0"/>
-          </a:p>
-        </p:txBody>
-      </p:sp>
-      <p:sp>
-        <p:nvSpPr>
-          <p:cNvPr id="42" name="TextBox 41">
-            <a:extLst>
-              <a:ext uri="{FF2B5EF4-FFF2-40B4-BE49-F238E27FC236}">
-                <a16:creationId xmlns:a16="http://schemas.microsoft.com/office/drawing/2014/main" xmlns="" id="{5C4C6202-265F-403D-AFF8-59D1516E5778}"/>
-              </a:ext>
-            </a:extLst>
-          </p:cNvPr>
-          <p:cNvSpPr txBox="1"/>
-          <p:nvPr/>
-        </p:nvSpPr>
-        <p:spPr>
-          <a:xfrm flipH="1">
-            <a:off x="889747" y="1558487"/>
-            <a:ext cx="2488018" cy="400110"/>
-          </a:xfrm>
-          <a:prstGeom prst="rect">
-            <a:avLst/>
-          </a:prstGeom>
-          <a:noFill/>
-        </p:spPr>
-        <p:txBody>
-          <a:bodyPr wrap="square" rtlCol="0">
-            <a:spAutoFit/>
-          </a:bodyPr>
-          <a:lstStyle/>
-          <a:p>
-            <a:r>
-              <a:rPr lang="en-US" altLang="ko-KR" sz="2000" b="1" dirty="0"/>
-              <a:t>001</a:t>
-            </a:r>
-            <a:endParaRPr lang="ko-KR" altLang="en-US" sz="2000" b="1" dirty="0"/>
-          </a:p>
-        </p:txBody>
-      </p:sp>
-      <p:sp>
-        <p:nvSpPr>
-          <p:cNvPr id="43" name="TextBox 42">
-            <a:extLst>
-              <a:ext uri="{FF2B5EF4-FFF2-40B4-BE49-F238E27FC236}">
-                <a16:creationId xmlns:a16="http://schemas.microsoft.com/office/drawing/2014/main" xmlns="" id="{30B13E7A-992D-471B-A355-C9C59E4475B1}"/>
-              </a:ext>
-            </a:extLst>
-          </p:cNvPr>
-          <p:cNvSpPr txBox="1"/>
-          <p:nvPr/>
-        </p:nvSpPr>
-        <p:spPr>
-          <a:xfrm flipH="1">
-            <a:off x="3505799" y="1558487"/>
-            <a:ext cx="819325" cy="400110"/>
-          </a:xfrm>
-          <a:prstGeom prst="rect">
-            <a:avLst/>
-          </a:prstGeom>
-          <a:noFill/>
-        </p:spPr>
-        <p:txBody>
-          <a:bodyPr wrap="square" rtlCol="0">
-            <a:spAutoFit/>
-          </a:bodyPr>
-          <a:lstStyle/>
-          <a:p>
-            <a:r>
-              <a:rPr lang="en-US" altLang="ko-KR" sz="2000" b="1" dirty="0"/>
-              <a:t>002</a:t>
-            </a:r>
-            <a:endParaRPr lang="ko-KR" altLang="en-US" sz="2000" b="1" dirty="0"/>
-          </a:p>
-        </p:txBody>
-      </p:sp>
-      <p:sp>
-        <p:nvSpPr>
-          <p:cNvPr id="44" name="TextBox 43">
-            <a:extLst>
-              <a:ext uri="{FF2B5EF4-FFF2-40B4-BE49-F238E27FC236}">
-                <a16:creationId xmlns:a16="http://schemas.microsoft.com/office/drawing/2014/main" xmlns="" id="{92839206-4841-4048-AF19-D322CC10F9FE}"/>
-              </a:ext>
-            </a:extLst>
-          </p:cNvPr>
-          <p:cNvSpPr txBox="1"/>
-          <p:nvPr/>
-        </p:nvSpPr>
-        <p:spPr>
-          <a:xfrm flipH="1">
-            <a:off x="6121851" y="1558487"/>
-            <a:ext cx="819325" cy="400110"/>
-          </a:xfrm>
-          <a:prstGeom prst="rect">
-            <a:avLst/>
-          </a:prstGeom>
-          <a:noFill/>
-        </p:spPr>
-        <p:txBody>
-          <a:bodyPr wrap="square" rtlCol="0">
-            <a:spAutoFit/>
-          </a:bodyPr>
-          <a:lstStyle/>
-          <a:p>
-            <a:r>
-              <a:rPr lang="en-US" altLang="ko-KR" sz="2000" b="1" dirty="0"/>
-              <a:t>003</a:t>
-            </a:r>
-            <a:endParaRPr lang="ko-KR" altLang="en-US" sz="2000" b="1" dirty="0"/>
-          </a:p>
-        </p:txBody>
-      </p:sp>
-      <p:sp>
-        <p:nvSpPr>
-          <p:cNvPr id="45" name="TextBox 44">
-            <a:extLst>
-              <a:ext uri="{FF2B5EF4-FFF2-40B4-BE49-F238E27FC236}">
-                <a16:creationId xmlns:a16="http://schemas.microsoft.com/office/drawing/2014/main" xmlns="" id="{2BB597D6-2374-4E47-9F5F-F2125953FEEF}"/>
-              </a:ext>
-            </a:extLst>
-          </p:cNvPr>
-          <p:cNvSpPr txBox="1"/>
-          <p:nvPr/>
-        </p:nvSpPr>
-        <p:spPr>
-          <a:xfrm flipH="1">
-            <a:off x="8737903" y="1558487"/>
-            <a:ext cx="819325" cy="400110"/>
-          </a:xfrm>
-          <a:prstGeom prst="rect">
-            <a:avLst/>
-          </a:prstGeom>
-          <a:noFill/>
-        </p:spPr>
-        <p:txBody>
-          <a:bodyPr wrap="square" rtlCol="0">
-            <a:spAutoFit/>
-          </a:bodyPr>
-          <a:lstStyle/>
-          <a:p>
-            <a:r>
-              <a:rPr lang="en-US" altLang="ko-KR" sz="2000" b="1" dirty="0"/>
-              <a:t>004</a:t>
-            </a:r>
-            <a:endParaRPr lang="ko-KR" altLang="en-US" sz="2000" b="1" dirty="0"/>
-          </a:p>
-        </p:txBody>
-      </p:sp>
-      <p:sp>
-        <p:nvSpPr>
-          <p:cNvPr id="46" name="직사각형 45">
-            <a:extLst>
-              <a:ext uri="{FF2B5EF4-FFF2-40B4-BE49-F238E27FC236}">
-                <a16:creationId xmlns:a16="http://schemas.microsoft.com/office/drawing/2014/main" xmlns="" id="{13AB5B04-AE19-4C19-90FA-D6478D209EC7}"/>
-              </a:ext>
-            </a:extLst>
-          </p:cNvPr>
-          <p:cNvSpPr/>
-          <p:nvPr/>
-        </p:nvSpPr>
-        <p:spPr>
-          <a:xfrm>
-            <a:off x="805841" y="1971955"/>
-            <a:ext cx="2519028" cy="3358703"/>
-          </a:xfrm>
-          <a:prstGeom prst="rect">
-            <a:avLst/>
-          </a:prstGeom>
-          <a:ln>
-            <a:noFill/>
-          </a:ln>
-        </p:spPr>
-        <p:style>
-          <a:lnRef idx="2">
-            <a:schemeClr val="accent1">
-              <a:shade val="50000"/>
-            </a:schemeClr>
-          </a:lnRef>
-          <a:fillRef idx="1">
-            <a:schemeClr val="accent1"/>
-          </a:fillRef>
-          <a:effectRef idx="0">
-            <a:schemeClr val="accent1"/>
-          </a:effectRef>
-          <a:fontRef idx="minor">
-            <a:schemeClr val="lt1"/>
-          </a:fontRef>
-        </p:style>
-        <p:txBody>
-          <a:bodyPr rtlCol="0" anchor="ctr"/>
-          <a:lstStyle/>
-          <a:p>
-            <a:pPr algn="ctr"/>
-            <a:endParaRPr lang="ko-KR" altLang="en-US"/>
-          </a:p>
-        </p:txBody>
-      </p:sp>
-      <p:sp>
-        <p:nvSpPr>
-          <p:cNvPr id="47" name="직사각형 46">
-            <a:extLst>
-              <a:ext uri="{FF2B5EF4-FFF2-40B4-BE49-F238E27FC236}">
-                <a16:creationId xmlns:a16="http://schemas.microsoft.com/office/drawing/2014/main" xmlns="" id="{F67AFFEB-4186-4001-A87D-CBE93A6FA505}"/>
-              </a:ext>
-            </a:extLst>
-          </p:cNvPr>
-          <p:cNvSpPr/>
-          <p:nvPr/>
-        </p:nvSpPr>
-        <p:spPr>
-          <a:xfrm>
-            <a:off x="3470244" y="1971955"/>
-            <a:ext cx="2519028" cy="3358703"/>
-          </a:xfrm>
-          <a:prstGeom prst="rect">
-            <a:avLst/>
-          </a:prstGeom>
-          <a:solidFill>
-            <a:schemeClr val="accent2"/>
-          </a:solidFill>
-          <a:ln>
-            <a:noFill/>
-          </a:ln>
-        </p:spPr>
-        <p:style>
-          <a:lnRef idx="2">
-            <a:schemeClr val="accent1">
-              <a:shade val="50000"/>
-            </a:schemeClr>
-          </a:lnRef>
-          <a:fillRef idx="1">
-            <a:schemeClr val="accent1"/>
-          </a:fillRef>
-          <a:effectRef idx="0">
-            <a:schemeClr val="accent1"/>
-          </a:effectRef>
-          <a:fontRef idx="minor">
-            <a:schemeClr val="lt1"/>
-          </a:fontRef>
-        </p:style>
-        <p:txBody>
-          <a:bodyPr rtlCol="0" anchor="ctr"/>
-          <a:lstStyle/>
-          <a:p>
-            <a:pPr algn="ctr"/>
-            <a:endParaRPr lang="ko-KR" altLang="en-US"/>
-          </a:p>
-        </p:txBody>
-      </p:sp>
-      <p:sp>
-        <p:nvSpPr>
-          <p:cNvPr id="48" name="직사각형 47">
-            <a:extLst>
-              <a:ext uri="{FF2B5EF4-FFF2-40B4-BE49-F238E27FC236}">
-                <a16:creationId xmlns:a16="http://schemas.microsoft.com/office/drawing/2014/main" xmlns="" id="{D19343D4-9148-4818-A634-5C1B567F8E40}"/>
-              </a:ext>
-            </a:extLst>
-          </p:cNvPr>
-          <p:cNvSpPr/>
-          <p:nvPr/>
-        </p:nvSpPr>
-        <p:spPr>
-          <a:xfrm>
-            <a:off x="6134647" y="1971955"/>
-            <a:ext cx="2519028" cy="3358703"/>
-          </a:xfrm>
-          <a:prstGeom prst="rect">
-            <a:avLst/>
-          </a:prstGeom>
-          <a:solidFill>
-            <a:schemeClr val="accent6"/>
-          </a:solidFill>
-          <a:ln>
-            <a:noFill/>
-          </a:ln>
-        </p:spPr>
-        <p:style>
-          <a:lnRef idx="2">
-            <a:schemeClr val="accent1">
-              <a:shade val="50000"/>
-            </a:schemeClr>
-          </a:lnRef>
-          <a:fillRef idx="1">
-            <a:schemeClr val="accent1"/>
-          </a:fillRef>
-          <a:effectRef idx="0">
-            <a:schemeClr val="accent1"/>
-          </a:effectRef>
-          <a:fontRef idx="minor">
-            <a:schemeClr val="lt1"/>
-          </a:fontRef>
-        </p:style>
-        <p:txBody>
-          <a:bodyPr rtlCol="0" anchor="ctr"/>
-          <a:lstStyle/>
-          <a:p>
-            <a:pPr algn="ctr"/>
-            <a:endParaRPr lang="ko-KR" altLang="en-US"/>
-          </a:p>
-        </p:txBody>
-      </p:sp>
-      <p:sp>
-        <p:nvSpPr>
-          <p:cNvPr id="49" name="직사각형 48">
-            <a:extLst>
-              <a:ext uri="{FF2B5EF4-FFF2-40B4-BE49-F238E27FC236}">
-                <a16:creationId xmlns:a16="http://schemas.microsoft.com/office/drawing/2014/main" xmlns="" id="{D6FF1298-7AC9-429F-AE7F-5787CEE2B979}"/>
-              </a:ext>
-            </a:extLst>
-          </p:cNvPr>
-          <p:cNvSpPr/>
-          <p:nvPr/>
-        </p:nvSpPr>
-        <p:spPr>
-          <a:xfrm>
-            <a:off x="8799050" y="1971955"/>
-            <a:ext cx="2519028" cy="3358703"/>
-          </a:xfrm>
-          <a:prstGeom prst="rect">
-            <a:avLst/>
-          </a:prstGeom>
-          <a:solidFill>
-            <a:schemeClr val="accent4">
-              <a:lumMod val="90000"/>
-            </a:schemeClr>
-          </a:solidFill>
-          <a:ln>
-            <a:noFill/>
-          </a:ln>
-        </p:spPr>
-        <p:style>
-          <a:lnRef idx="2">
-            <a:schemeClr val="accent1">
-              <a:shade val="50000"/>
-            </a:schemeClr>
-          </a:lnRef>
-          <a:fillRef idx="1">
-            <a:schemeClr val="accent1"/>
-          </a:fillRef>
-          <a:effectRef idx="0">
-            <a:schemeClr val="accent1"/>
-          </a:effectRef>
-          <a:fontRef idx="minor">
-            <a:schemeClr val="lt1"/>
-          </a:fontRef>
-        </p:style>
-        <p:txBody>
-          <a:bodyPr rtlCol="0" anchor="ctr"/>
-          <a:lstStyle/>
-          <a:p>
-            <a:pPr algn="ctr"/>
-            <a:endParaRPr lang="ko-KR" altLang="en-US"/>
-          </a:p>
-        </p:txBody>
-      </p:sp>
-    </p:spTree>
-    <p:extLst>
-      <p:ext uri="{BB962C8B-B14F-4D97-AF65-F5344CB8AC3E}">
-        <p14:creationId xmlns:p14="http://schemas.microsoft.com/office/powerpoint/2010/main" val="2428491881"/>
+        <p14:creationId xmlns:p14="http://schemas.microsoft.com/office/powerpoint/2010/main" val="3816055464"/>
       </p:ext>
     </p:extLst>
   </p:cSld>
@@ -7304,7 +4211,7 @@
   <a:extraClrSchemeLst/>
   <a:extLst>
     <a:ext uri="{05A4C25C-085E-4340-85A3-A5531E510DB2}">
-      <thm15:themeFamily xmlns:thm15="http://schemas.microsoft.com/office/thememl/2012/main" xmlns="" name="Office Theme" id="{62F939B6-93AF-4DB8-9C6B-D6C7DFDC589F}" vid="{4A3C46E8-61CC-4603-A589-7422A47A8E4A}"/>
+      <thm15:themeFamily xmlns="" xmlns:thm15="http://schemas.microsoft.com/office/thememl/2012/main" name="Office Theme" id="{62F939B6-93AF-4DB8-9C6B-D6C7DFDC589F}" vid="{4A3C46E8-61CC-4603-A589-7422A47A8E4A}"/>
     </a:ext>
   </a:extLst>
 </a:theme>
